--- a/Präsentation/Midterm_Präsentation.pptx
+++ b/Präsentation/Midterm_Präsentation.pptx
@@ -7,7 +7,7 @@
     <p:sldMasterId id="2147483667" r:id="rId3"/>
   </p:sldMasterIdLst>
   <p:notesMasterIdLst>
-    <p:notesMasterId r:id="rId23"/>
+    <p:notesMasterId r:id="rId22"/>
   </p:notesMasterIdLst>
   <p:sldIdLst>
     <p:sldId id="256" r:id="rId4"/>
@@ -20,15 +20,14 @@
     <p:sldId id="274" r:id="rId11"/>
     <p:sldId id="276" r:id="rId12"/>
     <p:sldId id="275" r:id="rId13"/>
-    <p:sldId id="277" r:id="rId14"/>
-    <p:sldId id="278" r:id="rId15"/>
-    <p:sldId id="279" r:id="rId16"/>
-    <p:sldId id="280" r:id="rId17"/>
-    <p:sldId id="281" r:id="rId18"/>
-    <p:sldId id="282" r:id="rId19"/>
-    <p:sldId id="283" r:id="rId20"/>
-    <p:sldId id="284" r:id="rId21"/>
-    <p:sldId id="268" r:id="rId22"/>
+    <p:sldId id="287" r:id="rId14"/>
+    <p:sldId id="290" r:id="rId15"/>
+    <p:sldId id="292" r:id="rId16"/>
+    <p:sldId id="277" r:id="rId17"/>
+    <p:sldId id="293" r:id="rId18"/>
+    <p:sldId id="294" r:id="rId19"/>
+    <p:sldId id="285" r:id="rId20"/>
+    <p:sldId id="268" r:id="rId21"/>
   </p:sldIdLst>
   <p:sldSz cx="9144000" cy="6858000" type="screen4x3"/>
   <p:notesSz cx="6858000" cy="9144000"/>
@@ -168,7 +167,7 @@
 <file path=ppt/revisionInfo.xml><?xml version="1.0" encoding="utf-8"?>
 <p1510:revInfo xmlns:a="http://schemas.openxmlformats.org/drawingml/2006/main" xmlns:r="http://schemas.openxmlformats.org/officeDocument/2006/relationships" xmlns:p1510="http://schemas.microsoft.com/office/powerpoint/2015/10/main">
   <p1510:revLst>
-    <p1510:client id="{80E3E568-5B0E-417F-96EF-7E52286CE9A2}" v="170" dt="2018-12-11T12:12:16.627"/>
+    <p1510:client id="{80E3E568-5B0E-417F-96EF-7E52286CE9A2}" v="209" dt="2018-12-13T08:35:56.553"/>
   </p1510:revLst>
 </p1510:revInfo>
 </file>
@@ -178,7 +177,7 @@
   <pc:docChgLst>
     <pc:chgData name="Andreas Dejmek" userId="a801f0812d97e7b3" providerId="LiveId" clId="{80E3E568-5B0E-417F-96EF-7E52286CE9A2}"/>
     <pc:docChg chg="undo custSel addSld delSld modSld sldOrd">
-      <pc:chgData name="Andreas Dejmek" userId="a801f0812d97e7b3" providerId="LiveId" clId="{80E3E568-5B0E-417F-96EF-7E52286CE9A2}" dt="2018-12-11T13:12:20.156" v="1265" actId="6549"/>
+      <pc:chgData name="Andreas Dejmek" userId="a801f0812d97e7b3" providerId="LiveId" clId="{80E3E568-5B0E-417F-96EF-7E52286CE9A2}" dt="2018-12-13T08:40:28.748" v="2654" actId="20577"/>
       <pc:docMkLst>
         <pc:docMk/>
       </pc:docMkLst>
@@ -986,13 +985,13 @@
         </pc:cxnChg>
       </pc:sldChg>
       <pc:sldChg chg="addSp delSp modSp add">
-        <pc:chgData name="Andreas Dejmek" userId="a801f0812d97e7b3" providerId="LiveId" clId="{80E3E568-5B0E-417F-96EF-7E52286CE9A2}" dt="2018-12-11T11:51:47.955" v="1006" actId="20577"/>
+        <pc:chgData name="Andreas Dejmek" userId="a801f0812d97e7b3" providerId="LiveId" clId="{80E3E568-5B0E-417F-96EF-7E52286CE9A2}" dt="2018-12-13T07:10:43.382" v="1398" actId="313"/>
         <pc:sldMkLst>
           <pc:docMk/>
           <pc:sldMk cId="252578444" sldId="271"/>
         </pc:sldMkLst>
         <pc:spChg chg="add mod">
-          <ac:chgData name="Andreas Dejmek" userId="a801f0812d97e7b3" providerId="LiveId" clId="{80E3E568-5B0E-417F-96EF-7E52286CE9A2}" dt="2018-12-11T11:51:47.955" v="1006" actId="20577"/>
+          <ac:chgData name="Andreas Dejmek" userId="a801f0812d97e7b3" providerId="LiveId" clId="{80E3E568-5B0E-417F-96EF-7E52286CE9A2}" dt="2018-12-13T07:10:43.382" v="1398" actId="313"/>
           <ac:spMkLst>
             <pc:docMk/>
             <pc:sldMk cId="252578444" sldId="271"/>
@@ -1344,13 +1343,13 @@
         </pc:cxnChg>
       </pc:sldChg>
       <pc:sldChg chg="modSp add">
-        <pc:chgData name="Andreas Dejmek" userId="a801f0812d97e7b3" providerId="LiveId" clId="{80E3E568-5B0E-417F-96EF-7E52286CE9A2}" dt="2018-12-11T11:52:12.838" v="1016" actId="20577"/>
+        <pc:chgData name="Andreas Dejmek" userId="a801f0812d97e7b3" providerId="LiveId" clId="{80E3E568-5B0E-417F-96EF-7E52286CE9A2}" dt="2018-12-13T07:23:43.562" v="1421" actId="20577"/>
         <pc:sldMkLst>
           <pc:docMk/>
           <pc:sldMk cId="2789427983" sldId="273"/>
         </pc:sldMkLst>
         <pc:spChg chg="mod">
-          <ac:chgData name="Andreas Dejmek" userId="a801f0812d97e7b3" providerId="LiveId" clId="{80E3E568-5B0E-417F-96EF-7E52286CE9A2}" dt="2018-12-11T11:52:12.838" v="1016" actId="20577"/>
+          <ac:chgData name="Andreas Dejmek" userId="a801f0812d97e7b3" providerId="LiveId" clId="{80E3E568-5B0E-417F-96EF-7E52286CE9A2}" dt="2018-12-13T07:23:43.562" v="1421" actId="20577"/>
           <ac:spMkLst>
             <pc:docMk/>
             <pc:sldMk cId="2789427983" sldId="273"/>
@@ -1367,13 +1366,13 @@
         </pc:spChg>
       </pc:sldChg>
       <pc:sldChg chg="modSp add">
-        <pc:chgData name="Andreas Dejmek" userId="a801f0812d97e7b3" providerId="LiveId" clId="{80E3E568-5B0E-417F-96EF-7E52286CE9A2}" dt="2018-12-11T11:53:03.715" v="1022" actId="20577"/>
+        <pc:chgData name="Andreas Dejmek" userId="a801f0812d97e7b3" providerId="LiveId" clId="{80E3E568-5B0E-417F-96EF-7E52286CE9A2}" dt="2018-12-13T07:26:02.633" v="1473" actId="20577"/>
         <pc:sldMkLst>
           <pc:docMk/>
           <pc:sldMk cId="2411699849" sldId="274"/>
         </pc:sldMkLst>
         <pc:spChg chg="mod">
-          <ac:chgData name="Andreas Dejmek" userId="a801f0812d97e7b3" providerId="LiveId" clId="{80E3E568-5B0E-417F-96EF-7E52286CE9A2}" dt="2018-12-11T11:53:03.715" v="1022" actId="20577"/>
+          <ac:chgData name="Andreas Dejmek" userId="a801f0812d97e7b3" providerId="LiveId" clId="{80E3E568-5B0E-417F-96EF-7E52286CE9A2}" dt="2018-12-13T07:26:02.633" v="1473" actId="20577"/>
           <ac:spMkLst>
             <pc:docMk/>
             <pc:sldMk cId="2411699849" sldId="274"/>
@@ -1390,13 +1389,13 @@
         </pc:spChg>
       </pc:sldChg>
       <pc:sldChg chg="modSp add">
-        <pc:chgData name="Andreas Dejmek" userId="a801f0812d97e7b3" providerId="LiveId" clId="{80E3E568-5B0E-417F-96EF-7E52286CE9A2}" dt="2018-12-11T12:17:00.638" v="1263" actId="20577"/>
+        <pc:chgData name="Andreas Dejmek" userId="a801f0812d97e7b3" providerId="LiveId" clId="{80E3E568-5B0E-417F-96EF-7E52286CE9A2}" dt="2018-12-13T07:33:20.814" v="1609" actId="6549"/>
         <pc:sldMkLst>
           <pc:docMk/>
           <pc:sldMk cId="2903405395" sldId="275"/>
         </pc:sldMkLst>
         <pc:spChg chg="mod">
-          <ac:chgData name="Andreas Dejmek" userId="a801f0812d97e7b3" providerId="LiveId" clId="{80E3E568-5B0E-417F-96EF-7E52286CE9A2}" dt="2018-12-11T12:17:00.638" v="1263" actId="20577"/>
+          <ac:chgData name="Andreas Dejmek" userId="a801f0812d97e7b3" providerId="LiveId" clId="{80E3E568-5B0E-417F-96EF-7E52286CE9A2}" dt="2018-12-13T07:33:20.814" v="1609" actId="6549"/>
           <ac:spMkLst>
             <pc:docMk/>
             <pc:sldMk cId="2903405395" sldId="275"/>
@@ -1458,8 +1457,8 @@
           </ac:spMkLst>
         </pc:spChg>
       </pc:sldChg>
-      <pc:sldChg chg="modSp add">
-        <pc:chgData name="Andreas Dejmek" userId="a801f0812d97e7b3" providerId="LiveId" clId="{80E3E568-5B0E-417F-96EF-7E52286CE9A2}" dt="2018-12-11T13:12:20.156" v="1265" actId="6549"/>
+      <pc:sldChg chg="modSp add del">
+        <pc:chgData name="Andreas Dejmek" userId="a801f0812d97e7b3" providerId="LiveId" clId="{80E3E568-5B0E-417F-96EF-7E52286CE9A2}" dt="2018-12-13T08:38:08.642" v="2648" actId="2696"/>
         <pc:sldMkLst>
           <pc:docMk/>
           <pc:sldMk cId="3358092663" sldId="278"/>
@@ -1481,8 +1480,8 @@
           </ac:spMkLst>
         </pc:spChg>
       </pc:sldChg>
-      <pc:sldChg chg="modSp add">
-        <pc:chgData name="Andreas Dejmek" userId="a801f0812d97e7b3" providerId="LiveId" clId="{80E3E568-5B0E-417F-96EF-7E52286CE9A2}" dt="2018-12-11T12:12:14.772" v="1252"/>
+      <pc:sldChg chg="modSp add del">
+        <pc:chgData name="Andreas Dejmek" userId="a801f0812d97e7b3" providerId="LiveId" clId="{80E3E568-5B0E-417F-96EF-7E52286CE9A2}" dt="2018-12-13T08:38:10.232" v="2649" actId="2696"/>
         <pc:sldMkLst>
           <pc:docMk/>
           <pc:sldMk cId="3845284727" sldId="279"/>
@@ -1504,8 +1503,8 @@
           </ac:spMkLst>
         </pc:spChg>
       </pc:sldChg>
-      <pc:sldChg chg="modSp add">
-        <pc:chgData name="Andreas Dejmek" userId="a801f0812d97e7b3" providerId="LiveId" clId="{80E3E568-5B0E-417F-96EF-7E52286CE9A2}" dt="2018-12-11T12:12:12.204" v="1251" actId="20577"/>
+      <pc:sldChg chg="modSp add del">
+        <pc:chgData name="Andreas Dejmek" userId="a801f0812d97e7b3" providerId="LiveId" clId="{80E3E568-5B0E-417F-96EF-7E52286CE9A2}" dt="2018-12-13T07:47:23.887" v="2022" actId="2696"/>
         <pc:sldMkLst>
           <pc:docMk/>
           <pc:sldMk cId="2231298059" sldId="280"/>
@@ -1527,8 +1526,8 @@
           </ac:spMkLst>
         </pc:spChg>
       </pc:sldChg>
-      <pc:sldChg chg="modSp add">
-        <pc:chgData name="Andreas Dejmek" userId="a801f0812d97e7b3" providerId="LiveId" clId="{80E3E568-5B0E-417F-96EF-7E52286CE9A2}" dt="2018-12-11T12:12:09.275" v="1250"/>
+      <pc:sldChg chg="modSp add del">
+        <pc:chgData name="Andreas Dejmek" userId="a801f0812d97e7b3" providerId="LiveId" clId="{80E3E568-5B0E-417F-96EF-7E52286CE9A2}" dt="2018-12-13T08:38:11.162" v="2650" actId="2696"/>
         <pc:sldMkLst>
           <pc:docMk/>
           <pc:sldMk cId="3843805525" sldId="281"/>
@@ -1550,8 +1549,8 @@
           </ac:spMkLst>
         </pc:spChg>
       </pc:sldChg>
-      <pc:sldChg chg="modSp add">
-        <pc:chgData name="Andreas Dejmek" userId="a801f0812d97e7b3" providerId="LiveId" clId="{80E3E568-5B0E-417F-96EF-7E52286CE9A2}" dt="2018-12-11T12:12:07.188" v="1249"/>
+      <pc:sldChg chg="modSp add del">
+        <pc:chgData name="Andreas Dejmek" userId="a801f0812d97e7b3" providerId="LiveId" clId="{80E3E568-5B0E-417F-96EF-7E52286CE9A2}" dt="2018-12-13T08:38:11.920" v="2651" actId="2696"/>
         <pc:sldMkLst>
           <pc:docMk/>
           <pc:sldMk cId="3235686920" sldId="282"/>
@@ -1573,14 +1572,14 @@
           </ac:spMkLst>
         </pc:spChg>
       </pc:sldChg>
-      <pc:sldChg chg="modSp add">
-        <pc:chgData name="Andreas Dejmek" userId="a801f0812d97e7b3" providerId="LiveId" clId="{80E3E568-5B0E-417F-96EF-7E52286CE9A2}" dt="2018-12-11T12:12:03.157" v="1248" actId="20577"/>
+      <pc:sldChg chg="modSp add del">
+        <pc:chgData name="Andreas Dejmek" userId="a801f0812d97e7b3" providerId="LiveId" clId="{80E3E568-5B0E-417F-96EF-7E52286CE9A2}" dt="2018-12-13T08:38:13.180" v="2652" actId="2696"/>
         <pc:sldMkLst>
           <pc:docMk/>
           <pc:sldMk cId="3231003891" sldId="283"/>
         </pc:sldMkLst>
         <pc:spChg chg="mod">
-          <ac:chgData name="Andreas Dejmek" userId="a801f0812d97e7b3" providerId="LiveId" clId="{80E3E568-5B0E-417F-96EF-7E52286CE9A2}" dt="2018-12-11T12:09:40.196" v="1227" actId="790"/>
+          <ac:chgData name="Andreas Dejmek" userId="a801f0812d97e7b3" providerId="LiveId" clId="{80E3E568-5B0E-417F-96EF-7E52286CE9A2}" dt="2018-12-13T07:10:54.405" v="1399" actId="313"/>
           <ac:spMkLst>
             <pc:docMk/>
             <pc:sldMk cId="3231003891" sldId="283"/>
@@ -1596,8 +1595,8 @@
           </ac:spMkLst>
         </pc:spChg>
       </pc:sldChg>
-      <pc:sldChg chg="modSp add">
-        <pc:chgData name="Andreas Dejmek" userId="a801f0812d97e7b3" providerId="LiveId" clId="{80E3E568-5B0E-417F-96EF-7E52286CE9A2}" dt="2018-12-11T12:11:52.710" v="1246" actId="20577"/>
+      <pc:sldChg chg="modSp add del">
+        <pc:chgData name="Andreas Dejmek" userId="a801f0812d97e7b3" providerId="LiveId" clId="{80E3E568-5B0E-417F-96EF-7E52286CE9A2}" dt="2018-12-13T08:38:15.118" v="2653" actId="2696"/>
         <pc:sldMkLst>
           <pc:docMk/>
           <pc:sldMk cId="100251930" sldId="284"/>
@@ -1619,173 +1618,208 @@
           </ac:spMkLst>
         </pc:spChg>
       </pc:sldChg>
-      <pc:sldChg chg="del">
-        <pc:chgData name="Andreas Dejmek" userId="a801f0812d97e7b3" providerId="LiveId" clId="{80E3E568-5B0E-417F-96EF-7E52286CE9A2}" dt="2018-12-11T10:27:05.265" v="23" actId="2696"/>
+      <pc:sldChg chg="modSp add">
+        <pc:chgData name="Andreas Dejmek" userId="a801f0812d97e7b3" providerId="LiveId" clId="{80E3E568-5B0E-417F-96EF-7E52286CE9A2}" dt="2018-12-13T08:40:28.748" v="2654" actId="20577"/>
         <pc:sldMkLst>
           <pc:docMk/>
-          <pc:sldMk cId="3918854496" sldId="292"/>
+          <pc:sldMk cId="2430699346" sldId="285"/>
+        </pc:sldMkLst>
+        <pc:spChg chg="mod">
+          <ac:chgData name="Andreas Dejmek" userId="a801f0812d97e7b3" providerId="LiveId" clId="{80E3E568-5B0E-417F-96EF-7E52286CE9A2}" dt="2018-12-13T08:40:28.748" v="2654" actId="20577"/>
+          <ac:spMkLst>
+            <pc:docMk/>
+            <pc:sldMk cId="2430699346" sldId="285"/>
+            <ac:spMk id="2" creationId="{A36F794C-DA2A-4370-A1CB-24ABE091FC40}"/>
+          </ac:spMkLst>
+        </pc:spChg>
+        <pc:spChg chg="mod">
+          <ac:chgData name="Andreas Dejmek" userId="a801f0812d97e7b3" providerId="LiveId" clId="{80E3E568-5B0E-417F-96EF-7E52286CE9A2}" dt="2018-12-13T07:08:55.155" v="1277" actId="20577"/>
+          <ac:spMkLst>
+            <pc:docMk/>
+            <pc:sldMk cId="2430699346" sldId="285"/>
+            <ac:spMk id="3" creationId="{C02B50D5-5F1B-4937-851B-4F4B7F9B5D67}"/>
+          </ac:spMkLst>
+        </pc:spChg>
+      </pc:sldChg>
+      <pc:sldChg chg="modSp add del">
+        <pc:chgData name="Andreas Dejmek" userId="a801f0812d97e7b3" providerId="LiveId" clId="{80E3E568-5B0E-417F-96EF-7E52286CE9A2}" dt="2018-12-13T07:44:30.113" v="2003" actId="2696"/>
+        <pc:sldMkLst>
+          <pc:docMk/>
+          <pc:sldMk cId="3196692274" sldId="286"/>
+        </pc:sldMkLst>
+        <pc:spChg chg="mod">
+          <ac:chgData name="Andreas Dejmek" userId="a801f0812d97e7b3" providerId="LiveId" clId="{80E3E568-5B0E-417F-96EF-7E52286CE9A2}" dt="2018-12-13T07:38:07.629" v="1837" actId="255"/>
+          <ac:spMkLst>
+            <pc:docMk/>
+            <pc:sldMk cId="3196692274" sldId="286"/>
+            <ac:spMk id="2" creationId="{A13A5D97-3FF4-4B9F-8086-83D52F017876}"/>
+          </ac:spMkLst>
+        </pc:spChg>
+        <pc:spChg chg="mod">
+          <ac:chgData name="Andreas Dejmek" userId="a801f0812d97e7b3" providerId="LiveId" clId="{80E3E568-5B0E-417F-96EF-7E52286CE9A2}" dt="2018-12-13T07:33:54.469" v="1628" actId="20577"/>
+          <ac:spMkLst>
+            <pc:docMk/>
+            <pc:sldMk cId="3196692274" sldId="286"/>
+            <ac:spMk id="3" creationId="{E86190CA-D7C0-45EB-B649-AF6C1626DE9D}"/>
+          </ac:spMkLst>
+        </pc:spChg>
+      </pc:sldChg>
+      <pc:sldChg chg="add del">
+        <pc:chgData name="Andreas Dejmek" userId="a801f0812d97e7b3" providerId="LiveId" clId="{80E3E568-5B0E-417F-96EF-7E52286CE9A2}" dt="2018-12-13T07:38:36.748" v="1839" actId="2696"/>
+        <pc:sldMkLst>
+          <pc:docMk/>
+          <pc:sldMk cId="3969099785" sldId="287"/>
         </pc:sldMkLst>
       </pc:sldChg>
-      <pc:sldChg chg="del">
-        <pc:chgData name="Andreas Dejmek" userId="a801f0812d97e7b3" providerId="LiveId" clId="{80E3E568-5B0E-417F-96EF-7E52286CE9A2}" dt="2018-12-11T10:27:04.905" v="2" actId="2696"/>
+      <pc:sldChg chg="modSp add">
+        <pc:chgData name="Andreas Dejmek" userId="a801f0812d97e7b3" providerId="LiveId" clId="{80E3E568-5B0E-417F-96EF-7E52286CE9A2}" dt="2018-12-13T07:42:14.661" v="1907"/>
         <pc:sldMkLst>
           <pc:docMk/>
-          <pc:sldMk cId="2209397126" sldId="302"/>
+          <pc:sldMk cId="4114728809" sldId="287"/>
+        </pc:sldMkLst>
+        <pc:spChg chg="mod">
+          <ac:chgData name="Andreas Dejmek" userId="a801f0812d97e7b3" providerId="LiveId" clId="{80E3E568-5B0E-417F-96EF-7E52286CE9A2}" dt="2018-12-13T07:42:14.661" v="1907"/>
+          <ac:spMkLst>
+            <pc:docMk/>
+            <pc:sldMk cId="4114728809" sldId="287"/>
+            <ac:spMk id="2" creationId="{A13A5D97-3FF4-4B9F-8086-83D52F017876}"/>
+          </ac:spMkLst>
+        </pc:spChg>
+      </pc:sldChg>
+      <pc:sldChg chg="modSp add del">
+        <pc:chgData name="Andreas Dejmek" userId="a801f0812d97e7b3" providerId="LiveId" clId="{80E3E568-5B0E-417F-96EF-7E52286CE9A2}" dt="2018-12-13T07:44:45.151" v="2004" actId="2696"/>
+        <pc:sldMkLst>
+          <pc:docMk/>
+          <pc:sldMk cId="1425770945" sldId="288"/>
+        </pc:sldMkLst>
+        <pc:spChg chg="mod">
+          <ac:chgData name="Andreas Dejmek" userId="a801f0812d97e7b3" providerId="LiveId" clId="{80E3E568-5B0E-417F-96EF-7E52286CE9A2}" dt="2018-12-13T07:43:23.479" v="1953" actId="6549"/>
+          <ac:spMkLst>
+            <pc:docMk/>
+            <pc:sldMk cId="1425770945" sldId="288"/>
+            <ac:spMk id="2" creationId="{A13A5D97-3FF4-4B9F-8086-83D52F017876}"/>
+          </ac:spMkLst>
+        </pc:spChg>
+      </pc:sldChg>
+      <pc:sldChg chg="modSp add del">
+        <pc:chgData name="Andreas Dejmek" userId="a801f0812d97e7b3" providerId="LiveId" clId="{80E3E568-5B0E-417F-96EF-7E52286CE9A2}" dt="2018-12-13T07:47:34.863" v="2025" actId="2696"/>
+        <pc:sldMkLst>
+          <pc:docMk/>
+          <pc:sldMk cId="1831385254" sldId="289"/>
+        </pc:sldMkLst>
+        <pc:spChg chg="mod">
+          <ac:chgData name="Andreas Dejmek" userId="a801f0812d97e7b3" providerId="LiveId" clId="{80E3E568-5B0E-417F-96EF-7E52286CE9A2}" dt="2018-12-13T07:44:22.919" v="2002" actId="20577"/>
+          <ac:spMkLst>
+            <pc:docMk/>
+            <pc:sldMk cId="1831385254" sldId="289"/>
+            <ac:spMk id="2" creationId="{A13A5D97-3FF4-4B9F-8086-83D52F017876}"/>
+          </ac:spMkLst>
+        </pc:spChg>
+      </pc:sldChg>
+      <pc:sldChg chg="add">
+        <pc:chgData name="Andreas Dejmek" userId="a801f0812d97e7b3" providerId="LiveId" clId="{80E3E568-5B0E-417F-96EF-7E52286CE9A2}" dt="2018-12-13T07:47:16.166" v="2021"/>
+        <pc:sldMkLst>
+          <pc:docMk/>
+          <pc:sldMk cId="1220606801" sldId="290"/>
         </pc:sldMkLst>
       </pc:sldChg>
-      <pc:sldChg chg="del">
-        <pc:chgData name="Andreas Dejmek" userId="a801f0812d97e7b3" providerId="LiveId" clId="{80E3E568-5B0E-417F-96EF-7E52286CE9A2}" dt="2018-12-11T10:27:04.921" v="3" actId="2696"/>
+      <pc:sldChg chg="modSp add del">
+        <pc:chgData name="Andreas Dejmek" userId="a801f0812d97e7b3" providerId="LiveId" clId="{80E3E568-5B0E-417F-96EF-7E52286CE9A2}" dt="2018-12-13T07:47:13.272" v="2020" actId="2696"/>
         <pc:sldMkLst>
           <pc:docMk/>
-          <pc:sldMk cId="3659294643" sldId="308"/>
+          <pc:sldMk cId="2002688839" sldId="290"/>
+        </pc:sldMkLst>
+        <pc:spChg chg="mod">
+          <ac:chgData name="Andreas Dejmek" userId="a801f0812d97e7b3" providerId="LiveId" clId="{80E3E568-5B0E-417F-96EF-7E52286CE9A2}" dt="2018-12-13T07:47:11.447" v="2019" actId="6549"/>
+          <ac:spMkLst>
+            <pc:docMk/>
+            <pc:sldMk cId="2002688839" sldId="290"/>
+            <ac:spMk id="2" creationId="{2F9D7B14-D8A4-4323-AE82-1460941EF389}"/>
+          </ac:spMkLst>
+        </pc:spChg>
+      </pc:sldChg>
+      <pc:sldChg chg="add del">
+        <pc:chgData name="Andreas Dejmek" userId="a801f0812d97e7b3" providerId="LiveId" clId="{80E3E568-5B0E-417F-96EF-7E52286CE9A2}" dt="2018-12-13T07:47:28.186" v="2024" actId="2696"/>
+        <pc:sldMkLst>
+          <pc:docMk/>
+          <pc:sldMk cId="3016897743" sldId="291"/>
         </pc:sldMkLst>
       </pc:sldChg>
-      <pc:sldChg chg="del">
-        <pc:chgData name="Andreas Dejmek" userId="a801f0812d97e7b3" providerId="LiveId" clId="{80E3E568-5B0E-417F-96EF-7E52286CE9A2}" dt="2018-12-11T10:27:04.968" v="5" actId="2696"/>
+      <pc:sldChg chg="modSp add del ord">
+        <pc:chgData name="Andreas Dejmek" userId="a801f0812d97e7b3" providerId="LiveId" clId="{80E3E568-5B0E-417F-96EF-7E52286CE9A2}" dt="2018-12-13T08:01:29.480" v="2245" actId="2696"/>
         <pc:sldMkLst>
           <pc:docMk/>
-          <pc:sldMk cId="1190445319" sldId="309"/>
+          <pc:sldMk cId="3687530296" sldId="291"/>
         </pc:sldMkLst>
+        <pc:spChg chg="mod">
+          <ac:chgData name="Andreas Dejmek" userId="a801f0812d97e7b3" providerId="LiveId" clId="{80E3E568-5B0E-417F-96EF-7E52286CE9A2}" dt="2018-12-13T07:59:58.112" v="2244" actId="20577"/>
+          <ac:spMkLst>
+            <pc:docMk/>
+            <pc:sldMk cId="3687530296" sldId="291"/>
+            <ac:spMk id="2" creationId="{A13A5D97-3FF4-4B9F-8086-83D52F017876}"/>
+          </ac:spMkLst>
+        </pc:spChg>
       </pc:sldChg>
-      <pc:sldChg chg="del">
-        <pc:chgData name="Andreas Dejmek" userId="a801f0812d97e7b3" providerId="LiveId" clId="{80E3E568-5B0E-417F-96EF-7E52286CE9A2}" dt="2018-12-11T10:27:04.983" v="6" actId="2696"/>
+      <pc:sldChg chg="modSp add">
+        <pc:chgData name="Andreas Dejmek" userId="a801f0812d97e7b3" providerId="LiveId" clId="{80E3E568-5B0E-417F-96EF-7E52286CE9A2}" dt="2018-12-13T07:53:39.855" v="2233" actId="20577"/>
         <pc:sldMkLst>
           <pc:docMk/>
-          <pc:sldMk cId="1613245776" sldId="310"/>
+          <pc:sldMk cId="1551781082" sldId="292"/>
         </pc:sldMkLst>
+        <pc:spChg chg="mod">
+          <ac:chgData name="Andreas Dejmek" userId="a801f0812d97e7b3" providerId="LiveId" clId="{80E3E568-5B0E-417F-96EF-7E52286CE9A2}" dt="2018-12-13T07:53:39.855" v="2233" actId="20577"/>
+          <ac:spMkLst>
+            <pc:docMk/>
+            <pc:sldMk cId="1551781082" sldId="292"/>
+            <ac:spMk id="2" creationId="{43BB7DD3-B451-43AB-8CC3-5501B9079BC4}"/>
+          </ac:spMkLst>
+        </pc:spChg>
+        <pc:spChg chg="mod">
+          <ac:chgData name="Andreas Dejmek" userId="a801f0812d97e7b3" providerId="LiveId" clId="{80E3E568-5B0E-417F-96EF-7E52286CE9A2}" dt="2018-12-13T07:50:52.616" v="2036" actId="20577"/>
+          <ac:spMkLst>
+            <pc:docMk/>
+            <pc:sldMk cId="1551781082" sldId="292"/>
+            <ac:spMk id="3" creationId="{FF9810FC-58C1-4D1D-973D-E74234D60674}"/>
+          </ac:spMkLst>
+        </pc:spChg>
       </pc:sldChg>
-      <pc:sldChg chg="del">
-        <pc:chgData name="Andreas Dejmek" userId="a801f0812d97e7b3" providerId="LiveId" clId="{80E3E568-5B0E-417F-96EF-7E52286CE9A2}" dt="2018-12-11T10:27:05.030" v="8" actId="2696"/>
+      <pc:sldChg chg="modSp add">
+        <pc:chgData name="Andreas Dejmek" userId="a801f0812d97e7b3" providerId="LiveId" clId="{80E3E568-5B0E-417F-96EF-7E52286CE9A2}" dt="2018-12-13T08:08:01.246" v="2441" actId="313"/>
         <pc:sldMkLst>
           <pc:docMk/>
-          <pc:sldMk cId="2247673483" sldId="311"/>
+          <pc:sldMk cId="3659346471" sldId="293"/>
         </pc:sldMkLst>
+        <pc:spChg chg="mod">
+          <ac:chgData name="Andreas Dejmek" userId="a801f0812d97e7b3" providerId="LiveId" clId="{80E3E568-5B0E-417F-96EF-7E52286CE9A2}" dt="2018-12-13T08:08:01.246" v="2441" actId="313"/>
+          <ac:spMkLst>
+            <pc:docMk/>
+            <pc:sldMk cId="3659346471" sldId="293"/>
+            <ac:spMk id="2" creationId="{6D036B9F-7B31-46E3-9CCD-B2D1D26300ED}"/>
+          </ac:spMkLst>
+        </pc:spChg>
+        <pc:spChg chg="mod">
+          <ac:chgData name="Andreas Dejmek" userId="a801f0812d97e7b3" providerId="LiveId" clId="{80E3E568-5B0E-417F-96EF-7E52286CE9A2}" dt="2018-12-13T08:03:03.712" v="2274" actId="313"/>
+          <ac:spMkLst>
+            <pc:docMk/>
+            <pc:sldMk cId="3659346471" sldId="293"/>
+            <ac:spMk id="3" creationId="{B4D4AC2E-527D-4993-9D83-D1E9BC348327}"/>
+          </ac:spMkLst>
+        </pc:spChg>
       </pc:sldChg>
-      <pc:sldChg chg="del">
-        <pc:chgData name="Andreas Dejmek" userId="a801f0812d97e7b3" providerId="LiveId" clId="{80E3E568-5B0E-417F-96EF-7E52286CE9A2}" dt="2018-12-11T10:27:04.999" v="7" actId="2696"/>
+      <pc:sldChg chg="modSp add">
+        <pc:chgData name="Andreas Dejmek" userId="a801f0812d97e7b3" providerId="LiveId" clId="{80E3E568-5B0E-417F-96EF-7E52286CE9A2}" dt="2018-12-13T08:36:41.757" v="2647" actId="20577"/>
         <pc:sldMkLst>
           <pc:docMk/>
-          <pc:sldMk cId="2461251609" sldId="312"/>
+          <pc:sldMk cId="2231687691" sldId="294"/>
         </pc:sldMkLst>
-      </pc:sldChg>
-      <pc:sldChg chg="del">
-        <pc:chgData name="Andreas Dejmek" userId="a801f0812d97e7b3" providerId="LiveId" clId="{80E3E568-5B0E-417F-96EF-7E52286CE9A2}" dt="2018-12-11T10:27:05.249" v="22" actId="2696"/>
-        <pc:sldMkLst>
-          <pc:docMk/>
-          <pc:sldMk cId="1969670573" sldId="313"/>
-        </pc:sldMkLst>
-      </pc:sldChg>
-      <pc:sldChg chg="del">
-        <pc:chgData name="Andreas Dejmek" userId="a801f0812d97e7b3" providerId="LiveId" clId="{80E3E568-5B0E-417F-96EF-7E52286CE9A2}" dt="2018-12-11T10:27:04.936" v="4" actId="2696"/>
-        <pc:sldMkLst>
-          <pc:docMk/>
-          <pc:sldMk cId="1113148069" sldId="314"/>
-        </pc:sldMkLst>
-      </pc:sldChg>
-      <pc:sldChg chg="del">
-        <pc:chgData name="Andreas Dejmek" userId="a801f0812d97e7b3" providerId="LiveId" clId="{80E3E568-5B0E-417F-96EF-7E52286CE9A2}" dt="2018-12-11T10:27:05.046" v="9" actId="2696"/>
-        <pc:sldMkLst>
-          <pc:docMk/>
-          <pc:sldMk cId="1701601279" sldId="315"/>
-        </pc:sldMkLst>
-      </pc:sldChg>
-      <pc:sldChg chg="del">
-        <pc:chgData name="Andreas Dejmek" userId="a801f0812d97e7b3" providerId="LiveId" clId="{80E3E568-5B0E-417F-96EF-7E52286CE9A2}" dt="2018-12-11T10:27:05.046" v="10" actId="2696"/>
-        <pc:sldMkLst>
-          <pc:docMk/>
-          <pc:sldMk cId="3083316994" sldId="316"/>
-        </pc:sldMkLst>
-      </pc:sldChg>
-      <pc:sldChg chg="del">
-        <pc:chgData name="Andreas Dejmek" userId="a801f0812d97e7b3" providerId="LiveId" clId="{80E3E568-5B0E-417F-96EF-7E52286CE9A2}" dt="2018-12-11T10:27:05.061" v="11" actId="2696"/>
-        <pc:sldMkLst>
-          <pc:docMk/>
-          <pc:sldMk cId="395019567" sldId="317"/>
-        </pc:sldMkLst>
-      </pc:sldChg>
-      <pc:sldChg chg="del">
-        <pc:chgData name="Andreas Dejmek" userId="a801f0812d97e7b3" providerId="LiveId" clId="{80E3E568-5B0E-417F-96EF-7E52286CE9A2}" dt="2018-12-11T10:27:05.077" v="12" actId="2696"/>
-        <pc:sldMkLst>
-          <pc:docMk/>
-          <pc:sldMk cId="1241851115" sldId="318"/>
-        </pc:sldMkLst>
-      </pc:sldChg>
-      <pc:sldChg chg="del">
-        <pc:chgData name="Andreas Dejmek" userId="a801f0812d97e7b3" providerId="LiveId" clId="{80E3E568-5B0E-417F-96EF-7E52286CE9A2}" dt="2018-12-11T10:27:05.093" v="13" actId="2696"/>
-        <pc:sldMkLst>
-          <pc:docMk/>
-          <pc:sldMk cId="1996295815" sldId="319"/>
-        </pc:sldMkLst>
-      </pc:sldChg>
-      <pc:sldChg chg="del">
-        <pc:chgData name="Andreas Dejmek" userId="a801f0812d97e7b3" providerId="LiveId" clId="{80E3E568-5B0E-417F-96EF-7E52286CE9A2}" dt="2018-12-11T10:27:05.108" v="14" actId="2696"/>
-        <pc:sldMkLst>
-          <pc:docMk/>
-          <pc:sldMk cId="3923209449" sldId="320"/>
-        </pc:sldMkLst>
-      </pc:sldChg>
-      <pc:sldChg chg="del">
-        <pc:chgData name="Andreas Dejmek" userId="a801f0812d97e7b3" providerId="LiveId" clId="{80E3E568-5B0E-417F-96EF-7E52286CE9A2}" dt="2018-12-11T10:27:05.124" v="15" actId="2696"/>
-        <pc:sldMkLst>
-          <pc:docMk/>
-          <pc:sldMk cId="2038654320" sldId="321"/>
-        </pc:sldMkLst>
-      </pc:sldChg>
-      <pc:sldChg chg="del">
-        <pc:chgData name="Andreas Dejmek" userId="a801f0812d97e7b3" providerId="LiveId" clId="{80E3E568-5B0E-417F-96EF-7E52286CE9A2}" dt="2018-12-11T10:27:05.140" v="16" actId="2696"/>
-        <pc:sldMkLst>
-          <pc:docMk/>
-          <pc:sldMk cId="4278169366" sldId="322"/>
-        </pc:sldMkLst>
-      </pc:sldChg>
-      <pc:sldChg chg="del">
-        <pc:chgData name="Andreas Dejmek" userId="a801f0812d97e7b3" providerId="LiveId" clId="{80E3E568-5B0E-417F-96EF-7E52286CE9A2}" dt="2018-12-11T10:27:05.155" v="17" actId="2696"/>
-        <pc:sldMkLst>
-          <pc:docMk/>
-          <pc:sldMk cId="316007917" sldId="323"/>
-        </pc:sldMkLst>
-      </pc:sldChg>
-      <pc:sldChg chg="del">
-        <pc:chgData name="Andreas Dejmek" userId="a801f0812d97e7b3" providerId="LiveId" clId="{80E3E568-5B0E-417F-96EF-7E52286CE9A2}" dt="2018-12-11T10:27:05.202" v="20" actId="2696"/>
-        <pc:sldMkLst>
-          <pc:docMk/>
-          <pc:sldMk cId="1197019894" sldId="324"/>
-        </pc:sldMkLst>
-      </pc:sldChg>
-      <pc:sldChg chg="del">
-        <pc:chgData name="Andreas Dejmek" userId="a801f0812d97e7b3" providerId="LiveId" clId="{80E3E568-5B0E-417F-96EF-7E52286CE9A2}" dt="2018-12-11T10:27:05.171" v="18" actId="2696"/>
-        <pc:sldMkLst>
-          <pc:docMk/>
-          <pc:sldMk cId="873679332" sldId="325"/>
-        </pc:sldMkLst>
-      </pc:sldChg>
-      <pc:sldChg chg="del">
-        <pc:chgData name="Andreas Dejmek" userId="a801f0812d97e7b3" providerId="LiveId" clId="{80E3E568-5B0E-417F-96EF-7E52286CE9A2}" dt="2018-12-11T10:27:05.186" v="19" actId="2696"/>
-        <pc:sldMkLst>
-          <pc:docMk/>
-          <pc:sldMk cId="2658942593" sldId="327"/>
-        </pc:sldMkLst>
-      </pc:sldChg>
-      <pc:sldChg chg="del">
-        <pc:chgData name="Andreas Dejmek" userId="a801f0812d97e7b3" providerId="LiveId" clId="{80E3E568-5B0E-417F-96EF-7E52286CE9A2}" dt="2018-12-11T10:27:05.218" v="21" actId="2696"/>
-        <pc:sldMkLst>
-          <pc:docMk/>
-          <pc:sldMk cId="2957086970" sldId="328"/>
-        </pc:sldMkLst>
-      </pc:sldChg>
-      <pc:sldChg chg="del">
-        <pc:chgData name="Andreas Dejmek" userId="a801f0812d97e7b3" providerId="LiveId" clId="{80E3E568-5B0E-417F-96EF-7E52286CE9A2}" dt="2018-12-11T10:27:05.280" v="24" actId="2696"/>
-        <pc:sldMkLst>
-          <pc:docMk/>
-          <pc:sldMk cId="869495612" sldId="329"/>
-        </pc:sldMkLst>
-      </pc:sldChg>
-      <pc:sldChg chg="del">
-        <pc:chgData name="Andreas Dejmek" userId="a801f0812d97e7b3" providerId="LiveId" clId="{80E3E568-5B0E-417F-96EF-7E52286CE9A2}" dt="2018-12-11T10:27:06.421" v="26" actId="2696"/>
-        <pc:sldMkLst>
-          <pc:docMk/>
-          <pc:sldMk cId="2052502173" sldId="330"/>
-        </pc:sldMkLst>
+        <pc:spChg chg="mod">
+          <ac:chgData name="Andreas Dejmek" userId="a801f0812d97e7b3" providerId="LiveId" clId="{80E3E568-5B0E-417F-96EF-7E52286CE9A2}" dt="2018-12-13T08:36:41.757" v="2647" actId="20577"/>
+          <ac:spMkLst>
+            <pc:docMk/>
+            <pc:sldMk cId="2231687691" sldId="294"/>
+            <ac:spMk id="2" creationId="{6D036B9F-7B31-46E3-9CCD-B2D1D26300ED}"/>
+          </ac:spMkLst>
+        </pc:spChg>
       </pc:sldChg>
       <pc:sldMasterChg chg="delSldLayout">
         <pc:chgData name="Andreas Dejmek" userId="a801f0812d97e7b3" providerId="LiveId" clId="{80E3E568-5B0E-417F-96EF-7E52286CE9A2}" dt="2018-12-11T10:27:05.280" v="25" actId="2696"/>
@@ -1793,14 +1827,6 @@
           <pc:docMk/>
           <pc:sldMasterMk cId="0" sldId="2147483654"/>
         </pc:sldMasterMkLst>
-        <pc:sldLayoutChg chg="del">
-          <pc:chgData name="Andreas Dejmek" userId="a801f0812d97e7b3" providerId="LiveId" clId="{80E3E568-5B0E-417F-96EF-7E52286CE9A2}" dt="2018-12-11T10:27:05.280" v="25" actId="2696"/>
-          <pc:sldLayoutMkLst>
-            <pc:docMk/>
-            <pc:sldMasterMk cId="0" sldId="2147483654"/>
-            <pc:sldLayoutMk cId="1541607148" sldId="2147483754"/>
-          </pc:sldLayoutMkLst>
-        </pc:sldLayoutChg>
       </pc:sldMasterChg>
     </pc:docChg>
   </pc:docChgLst>
@@ -1931,7 +1957,7 @@
               <a:pPr>
                 <a:defRPr/>
               </a:pPr>
-              <a:t>11.12.2018</a:t>
+              <a:t>13.12.2018</a:t>
             </a:fld>
             <a:endParaRPr lang="de-DE" dirty="0"/>
           </a:p>
@@ -3037,7 +3063,7 @@
               <a:pPr>
                 <a:defRPr/>
               </a:pPr>
-              <a:t>11.12.2018</a:t>
+              <a:t>13.12.2018</a:t>
             </a:fld>
             <a:endParaRPr lang="de-AT" dirty="0"/>
           </a:p>
@@ -3415,7 +3441,7 @@
               <a:pPr>
                 <a:defRPr/>
               </a:pPr>
-              <a:t>11.12.2018</a:t>
+              <a:t>13.12.2018</a:t>
             </a:fld>
             <a:endParaRPr lang="de-DE" dirty="0"/>
           </a:p>
@@ -3711,7 +3737,7 @@
           <a:p>
             <a:fld id="{A572E1A2-E530-424E-9410-A46D1732196B}" type="datetime1">
               <a:rPr lang="en-US" smtClean="0"/>
-              <a:t>12/11/2018</a:t>
+              <a:t>12/13/2018</a:t>
             </a:fld>
             <a:endParaRPr lang="en-US" dirty="0"/>
           </a:p>
@@ -3953,7 +3979,7 @@
               <a:pPr>
                 <a:defRPr/>
               </a:pPr>
-              <a:t>11.12.2018</a:t>
+              <a:t>13.12.2018</a:t>
             </a:fld>
             <a:endParaRPr lang="de-DE" dirty="0"/>
           </a:p>
@@ -4221,7 +4247,7 @@
               <a:pPr>
                 <a:defRPr/>
               </a:pPr>
-              <a:t>11.12.2018</a:t>
+              <a:t>13.12.2018</a:t>
             </a:fld>
             <a:endParaRPr lang="de-AT" dirty="0"/>
           </a:p>
@@ -4599,7 +4625,7 @@
               <a:pPr>
                 <a:defRPr/>
               </a:pPr>
-              <a:t>11.12.2018</a:t>
+              <a:t>13.12.2018</a:t>
             </a:fld>
             <a:endParaRPr lang="de-DE" dirty="0"/>
           </a:p>
@@ -5895,7 +5921,7 @@
               <a:pPr>
                 <a:defRPr/>
               </a:pPr>
-              <a:t>11.12.2018</a:t>
+              <a:t>13.12.2018</a:t>
             </a:fld>
             <a:endParaRPr lang="de-DE" dirty="0"/>
           </a:p>
@@ -6971,7 +6997,7 @@
               <a:pPr>
                 <a:defRPr/>
               </a:pPr>
-              <a:t>11.12.2018</a:t>
+              <a:t>13.12.2018</a:t>
             </a:fld>
             <a:endParaRPr lang="de-DE" dirty="0"/>
           </a:p>
@@ -8066,13 +8092,15 @@
             <p:ph idx="1"/>
           </p:nvPr>
         </p:nvSpPr>
-        <p:spPr/>
+        <p:spPr>
+          <a:xfrm>
+            <a:off x="857224" y="1124744"/>
+            <a:ext cx="7429552" cy="5001419"/>
+          </a:xfrm>
+        </p:spPr>
         <p:txBody>
           <a:bodyPr/>
           <a:lstStyle/>
-          <a:p>
-            <a:endParaRPr lang="en-GB" dirty="0"/>
-          </a:p>
           <a:p>
             <a:pPr>
               <a:buFont typeface="Arial" panose="020B0604020202020204" pitchFamily="34" charset="0"/>
@@ -8080,17 +8108,40 @@
             </a:pPr>
             <a:r>
               <a:rPr lang="en-GB" dirty="0"/>
-              <a:t>Input signal</a:t>
+              <a:t>FIFO/On-chip RAM</a:t>
             </a:r>
           </a:p>
           <a:p>
             <a:pPr lvl="1"/>
             <a:r>
               <a:rPr lang="en-GB" dirty="0"/>
-              <a:t>4096 deep memory in FIFO/On-chip RAM</a:t>
-            </a:r>
-          </a:p>
-          <a:p>
+              <a:t>Input signal 4096 samples</a:t>
+            </a:r>
+          </a:p>
+          <a:p>
+            <a:pPr lvl="1"/>
+            <a:r>
+              <a:rPr lang="en-GB" dirty="0"/>
+              <a:t>h</a:t>
+            </a:r>
+            <a:r>
+              <a:rPr lang="en-GB" baseline="-25000" dirty="0"/>
+              <a:t>0</a:t>
+            </a:r>
+            <a:r>
+              <a:rPr lang="en-GB" dirty="0"/>
+              <a:t> (512-bits) for FIR</a:t>
+            </a:r>
+          </a:p>
+          <a:p>
+            <a:pPr lvl="1"/>
+            <a:r>
+              <a:rPr lang="en-GB" dirty="0"/>
+              <a:t>Buffer</a:t>
+            </a:r>
+          </a:p>
+          <a:p>
+            <a:pPr lvl="1"/>
             <a:endParaRPr lang="en-GB" dirty="0"/>
           </a:p>
           <a:p>
@@ -8100,14 +8151,37 @@
             </a:pPr>
             <a:r>
               <a:rPr lang="en-GB" dirty="0"/>
-              <a:t>Impulse response</a:t>
+              <a:t>SRAM</a:t>
             </a:r>
           </a:p>
           <a:p>
             <a:pPr lvl="1"/>
             <a:r>
               <a:rPr lang="en-GB" dirty="0"/>
-              <a:t>h</a:t>
+              <a:t>H</a:t>
+            </a:r>
+            <a:r>
+              <a:rPr lang="en-GB" baseline="-25000" dirty="0"/>
+              <a:t>1 </a:t>
+            </a:r>
+            <a:r>
+              <a:rPr lang="en-GB" dirty="0"/>
+              <a:t>– H</a:t>
+            </a:r>
+            <a:r>
+              <a:rPr lang="en-GB" baseline="-25000" dirty="0"/>
+              <a:t>14</a:t>
+            </a:r>
+            <a:r>
+              <a:rPr lang="en-GB" dirty="0"/>
+              <a:t> (transformed)</a:t>
+            </a:r>
+          </a:p>
+          <a:p>
+            <a:pPr lvl="1"/>
+            <a:r>
+              <a:rPr lang="en-GB" dirty="0"/>
+              <a:t>X</a:t>
             </a:r>
             <a:r>
               <a:rPr lang="en-GB" baseline="-25000" dirty="0"/>
@@ -8115,38 +8189,18 @@
             </a:r>
             <a:r>
               <a:rPr lang="en-GB" dirty="0"/>
-              <a:t> (512-bits) for FIR in FIFO/On-chip RAM</a:t>
-            </a:r>
-          </a:p>
-          <a:p>
-            <a:pPr lvl="1"/>
+              <a:t> – X</a:t>
+            </a:r>
+            <a:r>
+              <a:rPr lang="en-GB" baseline="-25000" dirty="0"/>
+              <a:t>-13</a:t>
+            </a:r>
             <a:r>
               <a:rPr lang="en-GB" dirty="0"/>
-              <a:t>H</a:t>
-            </a:r>
-            <a:r>
-              <a:rPr lang="en-GB" baseline="-25000" dirty="0"/>
-              <a:t>1 </a:t>
-            </a:r>
-            <a:r>
-              <a:rPr lang="en-GB" dirty="0"/>
-              <a:t>- </a:t>
-            </a:r>
-            <a:r>
-              <a:rPr lang="en-GB" dirty="0" err="1"/>
-              <a:t>H</a:t>
-            </a:r>
-            <a:r>
-              <a:rPr lang="en-GB" baseline="-25000" dirty="0" err="1"/>
-              <a:t>n</a:t>
-            </a:r>
-            <a:r>
-              <a:rPr lang="en-GB" dirty="0"/>
-              <a:t> (transformed) in SRAM</a:t>
-            </a:r>
-          </a:p>
-          <a:p>
-            <a:pPr lvl="1"/>
+              <a:t> (transformed)</a:t>
+            </a:r>
+          </a:p>
+          <a:p>
             <a:endParaRPr lang="en-GB" dirty="0"/>
           </a:p>
           <a:p>
@@ -8156,6 +8210,59 @@
             </a:pPr>
             <a:r>
               <a:rPr lang="en-GB" dirty="0"/>
+              <a:t>SDRAM</a:t>
+            </a:r>
+          </a:p>
+          <a:p>
+            <a:pPr lvl="1"/>
+            <a:r>
+              <a:rPr lang="en-GB" dirty="0"/>
+              <a:t>H</a:t>
+            </a:r>
+            <a:r>
+              <a:rPr lang="en-GB" baseline="-25000" dirty="0"/>
+              <a:t>15 </a:t>
+            </a:r>
+            <a:r>
+              <a:rPr lang="en-GB" dirty="0"/>
+              <a:t>– H</a:t>
+            </a:r>
+            <a:r>
+              <a:rPr lang="en-GB" baseline="-25000" dirty="0"/>
+              <a:t>38</a:t>
+            </a:r>
+            <a:r>
+              <a:rPr lang="en-GB" dirty="0"/>
+              <a:t> (transformed)</a:t>
+            </a:r>
+          </a:p>
+          <a:p>
+            <a:pPr lvl="1"/>
+            <a:r>
+              <a:rPr lang="en-GB" dirty="0"/>
+              <a:t>X</a:t>
+            </a:r>
+            <a:r>
+              <a:rPr lang="en-GB" baseline="-25000" dirty="0"/>
+              <a:t>0</a:t>
+            </a:r>
+            <a:r>
+              <a:rPr lang="en-GB" dirty="0"/>
+              <a:t> – X</a:t>
+            </a:r>
+            <a:r>
+              <a:rPr lang="en-GB" baseline="-25000" dirty="0"/>
+              <a:t>-22</a:t>
+            </a:r>
+            <a:r>
+              <a:rPr lang="en-GB" dirty="0"/>
+              <a:t> (transformed)</a:t>
+            </a:r>
+          </a:p>
+          <a:p>
+            <a:pPr lvl="1"/>
+            <a:r>
+              <a:rPr lang="en-GB" dirty="0"/>
               <a:t>Output signal (for 2</a:t>
             </a:r>
             <a:r>
@@ -8165,13 +8272,6 @@
             <a:r>
               <a:rPr lang="en-GB" dirty="0"/>
               <a:t> mode)</a:t>
-            </a:r>
-          </a:p>
-          <a:p>
-            <a:pPr lvl="1"/>
-            <a:r>
-              <a:rPr lang="en-GB" dirty="0"/>
-              <a:t>saved in SDRAM</a:t>
             </a:r>
           </a:p>
         </p:txBody>
@@ -8198,7 +8298,7 @@
           <a:lstStyle/>
           <a:p>
             <a:r>
-              <a:rPr lang="en-GB"/>
+              <a:rPr lang="en-GB" dirty="0"/>
               <a:t>Memory usage</a:t>
             </a:r>
           </a:p>
@@ -8239,7 +8339,7 @@
           <p:cNvPr id="2" name="Inhaltsplatzhalter 1">
             <a:extLst>
               <a:ext uri="{FF2B5EF4-FFF2-40B4-BE49-F238E27FC236}">
-                <a16:creationId xmlns:a16="http://schemas.microsoft.com/office/drawing/2014/main" id="{31D8B3AC-969D-427D-B714-97CDACC0798A}"/>
+                <a16:creationId xmlns:a16="http://schemas.microsoft.com/office/drawing/2014/main" id="{A13A5D97-3FF4-4B9F-8086-83D52F017876}"/>
               </a:ext>
             </a:extLst>
           </p:cNvPr>
@@ -8259,7 +8359,10 @@
               <a:buFont typeface="Arial" panose="020B0604020202020204" pitchFamily="34" charset="0"/>
               <a:buChar char="•"/>
             </a:pPr>
-            <a:endParaRPr lang="de-AT" dirty="0"/>
+            <a:r>
+              <a:rPr lang="en-GB" sz="2200" dirty="0"/>
+              <a:t>256 block size (header)</a:t>
+            </a:r>
           </a:p>
           <a:p>
             <a:pPr>
@@ -8267,8 +8370,8 @@
               <a:buChar char="•"/>
             </a:pPr>
             <a:r>
-              <a:rPr lang="en-US" dirty="0"/>
-              <a:t>48 kHz Sampling frequency</a:t>
+              <a:rPr lang="en-GB" sz="2200" dirty="0"/>
+              <a:t>* 2 zero extended blocks (frequency domain)</a:t>
             </a:r>
           </a:p>
           <a:p>
@@ -8276,7 +8379,10 @@
               <a:buFont typeface="Arial" panose="020B0604020202020204" pitchFamily="34" charset="0"/>
               <a:buChar char="•"/>
             </a:pPr>
-            <a:endParaRPr lang="en-US" dirty="0"/>
+            <a:r>
+              <a:rPr lang="en-GB" sz="2200" dirty="0"/>
+              <a:t>* 14 (number of blocks)</a:t>
+            </a:r>
           </a:p>
           <a:p>
             <a:pPr>
@@ -8284,8 +8390,8 @@
               <a:buChar char="•"/>
             </a:pPr>
             <a:r>
-              <a:rPr lang="en-US" dirty="0"/>
-              <a:t>100 MHz clock</a:t>
+              <a:rPr lang="en-GB" sz="2200" dirty="0"/>
+              <a:t>* 2 stereo</a:t>
             </a:r>
           </a:p>
           <a:p>
@@ -8293,7 +8399,10 @@
               <a:buFont typeface="Arial" panose="020B0604020202020204" pitchFamily="34" charset="0"/>
               <a:buChar char="•"/>
             </a:pPr>
-            <a:endParaRPr lang="en-US" dirty="0"/>
+            <a:r>
+              <a:rPr lang="en-GB" sz="2200" dirty="0"/>
+              <a:t>* 32 (bit width)</a:t>
+            </a:r>
           </a:p>
           <a:p>
             <a:pPr>
@@ -8301,16 +8410,39 @@
               <a:buChar char="•"/>
             </a:pPr>
             <a:r>
-              <a:rPr lang="en-US" dirty="0">
+              <a:rPr lang="en-GB" sz="2200" dirty="0"/>
+              <a:t>* 2 real / imaginary </a:t>
+            </a:r>
+          </a:p>
+          <a:p>
+            <a:pPr>
+              <a:buFont typeface="Arial" panose="020B0604020202020204" pitchFamily="34" charset="0"/>
+              <a:buChar char="•"/>
+            </a:pPr>
+            <a:r>
+              <a:rPr lang="en-GB" sz="2200" dirty="0"/>
+              <a:t>* 2 ( for H / X)</a:t>
+            </a:r>
+          </a:p>
+          <a:p>
+            <a:pPr>
+              <a:buFont typeface="Arial" panose="020B0604020202020204" pitchFamily="34" charset="0"/>
+              <a:buChar char="•"/>
+            </a:pPr>
+            <a:endParaRPr lang="en-GB" sz="2200" dirty="0"/>
+          </a:p>
+          <a:p>
+            <a:pPr>
+              <a:buFont typeface="Arial" panose="020B0604020202020204" pitchFamily="34" charset="0"/>
+              <a:buChar char="•"/>
+            </a:pPr>
+            <a:r>
+              <a:rPr lang="en-GB" sz="2200" dirty="0">
                 <a:sym typeface="Wingdings" panose="05000000000000000000" pitchFamily="2" charset="2"/>
               </a:rPr>
-              <a:t></a:t>
-            </a:r>
-            <a:r>
-              <a:rPr lang="en-US" dirty="0"/>
-              <a:t> new sample every 2080 cycles</a:t>
-            </a:r>
-            <a:endParaRPr lang="de-AT" dirty="0"/>
+              <a:t> 1.835.008 bits ≙ 229.376 bytes</a:t>
+            </a:r>
+            <a:endParaRPr lang="en-GB" sz="2200" dirty="0"/>
           </a:p>
         </p:txBody>
       </p:sp>
@@ -8319,7 +8451,7 @@
           <p:cNvPr id="3" name="Titel 2">
             <a:extLst>
               <a:ext uri="{FF2B5EF4-FFF2-40B4-BE49-F238E27FC236}">
-                <a16:creationId xmlns:a16="http://schemas.microsoft.com/office/drawing/2014/main" id="{F048C502-029A-4B34-95F4-4D1589BE0736}"/>
+                <a16:creationId xmlns:a16="http://schemas.microsoft.com/office/drawing/2014/main" id="{E86190CA-D7C0-45EB-B649-AF6C1626DE9D}"/>
               </a:ext>
             </a:extLst>
           </p:cNvPr>
@@ -8336,8 +8468,8 @@
           <a:lstStyle/>
           <a:p>
             <a:r>
-              <a:rPr lang="de-AT" dirty="0"/>
-              <a:t>Timing</a:t>
+              <a:rPr lang="en-GB" dirty="0"/>
+              <a:t>Memory requirement</a:t>
             </a:r>
           </a:p>
         </p:txBody>
@@ -8345,7 +8477,7 @@
     </p:spTree>
     <p:extLst>
       <p:ext uri="{BB962C8B-B14F-4D97-AF65-F5344CB8AC3E}">
-        <p14:creationId xmlns:p14="http://schemas.microsoft.com/office/powerpoint/2010/main" val="4014599817"/>
+        <p14:creationId xmlns:p14="http://schemas.microsoft.com/office/powerpoint/2010/main" val="4114728809"/>
       </p:ext>
     </p:extLst>
   </p:cSld>
@@ -8377,7 +8509,7 @@
           <p:cNvPr id="2" name="Inhaltsplatzhalter 1">
             <a:extLst>
               <a:ext uri="{FF2B5EF4-FFF2-40B4-BE49-F238E27FC236}">
-                <a16:creationId xmlns:a16="http://schemas.microsoft.com/office/drawing/2014/main" id="{314AFC4A-91C6-4375-B942-E867BD9DED64}"/>
+                <a16:creationId xmlns:a16="http://schemas.microsoft.com/office/drawing/2014/main" id="{A13A5D97-3FF4-4B9F-8086-83D52F017876}"/>
               </a:ext>
             </a:extLst>
           </p:cNvPr>
@@ -8397,7 +8529,10 @@
               <a:buFont typeface="Arial" panose="020B0604020202020204" pitchFamily="34" charset="0"/>
               <a:buChar char="•"/>
             </a:pPr>
-            <a:endParaRPr lang="en-US" dirty="0"/>
+            <a:r>
+              <a:rPr lang="en-GB" sz="2200" dirty="0"/>
+              <a:t>4096 block size (body)</a:t>
+            </a:r>
           </a:p>
           <a:p>
             <a:pPr>
@@ -8405,8 +8540,8 @@
               <a:buChar char="•"/>
             </a:pPr>
             <a:r>
-              <a:rPr lang="en-US" dirty="0"/>
-              <a:t>14 blocks with 256 samples each</a:t>
+              <a:rPr lang="en-GB" sz="2200" dirty="0"/>
+              <a:t>* 2 zero extended blocks (frequency domain)</a:t>
             </a:r>
           </a:p>
           <a:p>
@@ -8414,7 +8549,10 @@
               <a:buFont typeface="Arial" panose="020B0604020202020204" pitchFamily="34" charset="0"/>
               <a:buChar char="•"/>
             </a:pPr>
-            <a:endParaRPr lang="en-US" dirty="0"/>
+            <a:r>
+              <a:rPr lang="en-GB" sz="2200" dirty="0"/>
+              <a:t>* 23 (number of blocks)</a:t>
+            </a:r>
           </a:p>
           <a:p>
             <a:pPr>
@@ -8422,15 +8560,8 @@
               <a:buChar char="•"/>
             </a:pPr>
             <a:r>
-              <a:rPr lang="en-US" dirty="0"/>
-              <a:t>result has to be computed after 256 samples </a:t>
-            </a:r>
-            <a:br>
-              <a:rPr lang="en-US" dirty="0"/>
-            </a:br>
-            <a:r>
-              <a:rPr lang="en-US" dirty="0"/>
-              <a:t>or 532.480 cycles</a:t>
+              <a:rPr lang="en-GB" sz="2200" dirty="0"/>
+              <a:t>* 2 stereo</a:t>
             </a:r>
           </a:p>
           <a:p>
@@ -8438,7 +8569,79 @@
               <a:buFont typeface="Arial" panose="020B0604020202020204" pitchFamily="34" charset="0"/>
               <a:buChar char="•"/>
             </a:pPr>
-            <a:endParaRPr lang="en-US" dirty="0"/>
+            <a:r>
+              <a:rPr lang="en-GB" sz="2200" dirty="0"/>
+              <a:t>* 32 (bit width)</a:t>
+            </a:r>
+          </a:p>
+          <a:p>
+            <a:pPr>
+              <a:buFont typeface="Arial" panose="020B0604020202020204" pitchFamily="34" charset="0"/>
+              <a:buChar char="•"/>
+            </a:pPr>
+            <a:r>
+              <a:rPr lang="en-GB" sz="2200" dirty="0"/>
+              <a:t>* 2 real / imaginary </a:t>
+            </a:r>
+          </a:p>
+          <a:p>
+            <a:pPr>
+              <a:buFont typeface="Arial" panose="020B0604020202020204" pitchFamily="34" charset="0"/>
+              <a:buChar char="•"/>
+            </a:pPr>
+            <a:r>
+              <a:rPr lang="en-GB" sz="2200" dirty="0"/>
+              <a:t>* 2 ( for H / X)</a:t>
+            </a:r>
+          </a:p>
+          <a:p>
+            <a:pPr>
+              <a:buFont typeface="Arial" panose="020B0604020202020204" pitchFamily="34" charset="0"/>
+              <a:buChar char="•"/>
+            </a:pPr>
+            <a:endParaRPr lang="en-GB" sz="2200" dirty="0"/>
+          </a:p>
+          <a:p>
+            <a:pPr>
+              <a:buFont typeface="Arial" panose="020B0604020202020204" pitchFamily="34" charset="0"/>
+              <a:buChar char="•"/>
+            </a:pPr>
+            <a:r>
+              <a:rPr lang="en-GB" sz="2200" dirty="0">
+                <a:sym typeface="Wingdings" panose="05000000000000000000" pitchFamily="2" charset="2"/>
+              </a:rPr>
+              <a:t> 48.234.496 bits ≙ 6.029.312 bytes</a:t>
+            </a:r>
+          </a:p>
+          <a:p>
+            <a:pPr>
+              <a:buFont typeface="Arial" panose="020B0604020202020204" pitchFamily="34" charset="0"/>
+              <a:buChar char="•"/>
+            </a:pPr>
+            <a:endParaRPr lang="en-GB" sz="2200" dirty="0">
+              <a:sym typeface="Wingdings" panose="05000000000000000000" pitchFamily="2" charset="2"/>
+            </a:endParaRPr>
+          </a:p>
+          <a:p>
+            <a:pPr>
+              <a:buFont typeface="Arial" panose="020B0604020202020204" pitchFamily="34" charset="0"/>
+              <a:buChar char="•"/>
+            </a:pPr>
+            <a:r>
+              <a:rPr lang="en-GB" sz="2200" dirty="0">
+                <a:sym typeface="Wingdings" panose="05000000000000000000" pitchFamily="2" charset="2"/>
+              </a:rPr>
+              <a:t>SRAM to small</a:t>
+            </a:r>
+          </a:p>
+          <a:p>
+            <a:pPr>
+              <a:buFont typeface="Arial" panose="020B0604020202020204" pitchFamily="34" charset="0"/>
+              <a:buChar char="•"/>
+            </a:pPr>
+            <a:endParaRPr lang="en-GB" sz="2200" dirty="0">
+              <a:sym typeface="Wingdings" panose="05000000000000000000" pitchFamily="2" charset="2"/>
+            </a:endParaRPr>
           </a:p>
         </p:txBody>
       </p:sp>
@@ -8447,7 +8650,7 @@
           <p:cNvPr id="3" name="Titel 2">
             <a:extLst>
               <a:ext uri="{FF2B5EF4-FFF2-40B4-BE49-F238E27FC236}">
-                <a16:creationId xmlns:a16="http://schemas.microsoft.com/office/drawing/2014/main" id="{81A16BC9-8D1B-4105-91A1-36BF4B9B2927}"/>
+                <a16:creationId xmlns:a16="http://schemas.microsoft.com/office/drawing/2014/main" id="{E86190CA-D7C0-45EB-B649-AF6C1626DE9D}"/>
               </a:ext>
             </a:extLst>
           </p:cNvPr>
@@ -8464,8 +8667,8 @@
           <a:lstStyle/>
           <a:p>
             <a:r>
-              <a:rPr lang="de-AT" dirty="0"/>
-              <a:t>FFT-Header</a:t>
+              <a:rPr lang="en-GB" dirty="0"/>
+              <a:t>Memory requirement</a:t>
             </a:r>
           </a:p>
         </p:txBody>
@@ -8473,7 +8676,7 @@
     </p:spTree>
     <p:extLst>
       <p:ext uri="{BB962C8B-B14F-4D97-AF65-F5344CB8AC3E}">
-        <p14:creationId xmlns:p14="http://schemas.microsoft.com/office/powerpoint/2010/main" val="3358092663"/>
+        <p14:creationId xmlns:p14="http://schemas.microsoft.com/office/powerpoint/2010/main" val="1220606801"/>
       </p:ext>
     </p:extLst>
   </p:cSld>
@@ -8505,7 +8708,7 @@
           <p:cNvPr id="2" name="Inhaltsplatzhalter 1">
             <a:extLst>
               <a:ext uri="{FF2B5EF4-FFF2-40B4-BE49-F238E27FC236}">
-                <a16:creationId xmlns:a16="http://schemas.microsoft.com/office/drawing/2014/main" id="{314AFC4A-91C6-4375-B942-E867BD9DED64}"/>
+                <a16:creationId xmlns:a16="http://schemas.microsoft.com/office/drawing/2014/main" id="{43BB7DD3-B451-43AB-8CC3-5501B9079BC4}"/>
               </a:ext>
             </a:extLst>
           </p:cNvPr>
@@ -8525,122 +8728,121 @@
               <a:buFont typeface="Arial" panose="020B0604020202020204" pitchFamily="34" charset="0"/>
               <a:buChar char="•"/>
             </a:pPr>
-            <a:endParaRPr lang="en-US" dirty="0"/>
+            <a:r>
+              <a:rPr lang="en-GB" dirty="0"/>
+              <a:t>Stereo value 16 bits each</a:t>
+            </a:r>
           </a:p>
           <a:p>
             <a:pPr>
               <a:buFont typeface="Arial" panose="020B0604020202020204" pitchFamily="34" charset="0"/>
               <a:buChar char="•"/>
             </a:pPr>
-            <a:r>
-              <a:rPr lang="en-US" dirty="0"/>
-              <a:t>Calculating header blocks requires</a:t>
-            </a:r>
-          </a:p>
-          <a:p>
-            <a:pPr lvl="1"/>
-            <a:r>
-              <a:rPr lang="en-US" dirty="0"/>
-              <a:t>1 cycle for saving new x</a:t>
-            </a:r>
-          </a:p>
-          <a:p>
-            <a:pPr lvl="1"/>
-            <a:endParaRPr lang="en-US" dirty="0"/>
-          </a:p>
-          <a:p>
-            <a:pPr lvl="1"/>
-            <a:r>
-              <a:rPr lang="en-US" dirty="0"/>
-              <a:t>256 cycles for FFT ( x </a:t>
-            </a:r>
-            <a:r>
-              <a:rPr lang="en-US" dirty="0">
+            <a:endParaRPr lang="en-GB" dirty="0"/>
+          </a:p>
+          <a:p>
+            <a:pPr>
+              <a:buFont typeface="Arial" panose="020B0604020202020204" pitchFamily="34" charset="0"/>
+              <a:buChar char="•"/>
+            </a:pPr>
+            <a:r>
+              <a:rPr lang="en-GB" dirty="0"/>
+              <a:t>After FFT </a:t>
+            </a:r>
+            <a:r>
+              <a:rPr lang="en-GB" dirty="0">
                 <a:sym typeface="Wingdings" panose="05000000000000000000" pitchFamily="2" charset="2"/>
               </a:rPr>
-              <a:t></a:t>
-            </a:r>
-            <a:r>
-              <a:rPr lang="en-US" dirty="0"/>
-              <a:t> X )</a:t>
-            </a:r>
-          </a:p>
-          <a:p>
-            <a:pPr lvl="1"/>
-            <a:endParaRPr lang="en-US" dirty="0"/>
-          </a:p>
-          <a:p>
-            <a:pPr lvl="1"/>
-            <a:r>
-              <a:rPr lang="en-US" dirty="0"/>
-              <a:t>for each block</a:t>
-            </a:r>
-          </a:p>
-          <a:p>
-            <a:pPr lvl="2"/>
-            <a:r>
-              <a:rPr lang="en-US" dirty="0"/>
-              <a:t>512 cycles for reading </a:t>
-            </a:r>
-            <a:r>
-              <a:rPr lang="en-US" dirty="0" err="1"/>
-              <a:t>H</a:t>
-            </a:r>
-            <a:r>
-              <a:rPr lang="en-US" baseline="-25000" dirty="0" err="1"/>
-              <a:t>n</a:t>
-            </a:r>
-            <a:r>
-              <a:rPr lang="en-US" dirty="0"/>
-              <a:t> ( read from SRAM is 2 cycles )</a:t>
-            </a:r>
-          </a:p>
-          <a:p>
-            <a:pPr lvl="2"/>
-            <a:r>
-              <a:rPr lang="en-US" dirty="0"/>
-              <a:t>?? cycles for multiplication ( X * </a:t>
-            </a:r>
-            <a:r>
-              <a:rPr lang="en-US" dirty="0" err="1"/>
-              <a:t>H</a:t>
-            </a:r>
-            <a:r>
-              <a:rPr lang="en-US" baseline="-25000" dirty="0" err="1"/>
-              <a:t>n</a:t>
-            </a:r>
-            <a:r>
-              <a:rPr lang="en-US" dirty="0"/>
-              <a:t> )</a:t>
-            </a:r>
-          </a:p>
-          <a:p>
-            <a:pPr lvl="2"/>
-            <a:r>
-              <a:rPr lang="en-US" dirty="0"/>
-              <a:t>1 cycle for accumulation</a:t>
-            </a:r>
-          </a:p>
-          <a:p>
-            <a:pPr lvl="2"/>
-            <a:endParaRPr lang="en-US" dirty="0"/>
-          </a:p>
-          <a:p>
-            <a:pPr lvl="1"/>
-            <a:r>
-              <a:rPr lang="en-US" dirty="0"/>
-              <a:t>512 cycles for IFFT ( X </a:t>
-            </a:r>
-            <a:r>
-              <a:rPr lang="en-US" dirty="0">
+              <a:t> 32 bits real / imaginary</a:t>
+            </a:r>
+          </a:p>
+          <a:p>
+            <a:pPr>
+              <a:buFont typeface="Arial" panose="020B0604020202020204" pitchFamily="34" charset="0"/>
+              <a:buChar char="•"/>
+            </a:pPr>
+            <a:endParaRPr lang="en-GB" dirty="0">
+              <a:sym typeface="Wingdings" panose="05000000000000000000" pitchFamily="2" charset="2"/>
+            </a:endParaRPr>
+          </a:p>
+          <a:p>
+            <a:pPr>
+              <a:buFont typeface="Arial" panose="020B0604020202020204" pitchFamily="34" charset="0"/>
+              <a:buChar char="•"/>
+            </a:pPr>
+            <a:r>
+              <a:rPr lang="en-GB" dirty="0">
                 <a:sym typeface="Wingdings" panose="05000000000000000000" pitchFamily="2" charset="2"/>
               </a:rPr>
-              <a:t></a:t>
-            </a:r>
-            <a:r>
-              <a:rPr lang="en-US" dirty="0"/>
-              <a:t> x )</a:t>
-            </a:r>
+              <a:t>After Multiply  64 bits real /imaginary</a:t>
+            </a:r>
+          </a:p>
+          <a:p>
+            <a:pPr>
+              <a:buFont typeface="Arial" panose="020B0604020202020204" pitchFamily="34" charset="0"/>
+              <a:buChar char="•"/>
+            </a:pPr>
+            <a:endParaRPr lang="en-GB" dirty="0">
+              <a:sym typeface="Wingdings" panose="05000000000000000000" pitchFamily="2" charset="2"/>
+            </a:endParaRPr>
+          </a:p>
+          <a:p>
+            <a:pPr>
+              <a:buFont typeface="Arial" panose="020B0604020202020204" pitchFamily="34" charset="0"/>
+              <a:buChar char="•"/>
+            </a:pPr>
+            <a:r>
+              <a:rPr lang="en-GB" dirty="0">
+                <a:sym typeface="Wingdings" panose="05000000000000000000" pitchFamily="2" charset="2"/>
+              </a:rPr>
+              <a:t>After Add  65 bits real /imaginary</a:t>
+            </a:r>
+          </a:p>
+          <a:p>
+            <a:pPr>
+              <a:buFont typeface="Arial" panose="020B0604020202020204" pitchFamily="34" charset="0"/>
+              <a:buChar char="•"/>
+            </a:pPr>
+            <a:endParaRPr lang="en-GB" dirty="0">
+              <a:sym typeface="Wingdings" panose="05000000000000000000" pitchFamily="2" charset="2"/>
+            </a:endParaRPr>
+          </a:p>
+          <a:p>
+            <a:pPr>
+              <a:buFont typeface="Arial" panose="020B0604020202020204" pitchFamily="34" charset="0"/>
+              <a:buChar char="•"/>
+            </a:pPr>
+            <a:r>
+              <a:rPr lang="en-GB" dirty="0">
+                <a:sym typeface="Wingdings" panose="05000000000000000000" pitchFamily="2" charset="2"/>
+              </a:rPr>
+              <a:t>Trim value before or after IFFT?</a:t>
+            </a:r>
+          </a:p>
+          <a:p>
+            <a:pPr>
+              <a:buFont typeface="Arial" panose="020B0604020202020204" pitchFamily="34" charset="0"/>
+              <a:buChar char="•"/>
+            </a:pPr>
+            <a:endParaRPr lang="en-GB" dirty="0">
+              <a:sym typeface="Wingdings" panose="05000000000000000000" pitchFamily="2" charset="2"/>
+            </a:endParaRPr>
+          </a:p>
+          <a:p>
+            <a:pPr>
+              <a:buFont typeface="Arial" panose="020B0604020202020204" pitchFamily="34" charset="0"/>
+              <a:buChar char="•"/>
+            </a:pPr>
+            <a:endParaRPr lang="en-GB" dirty="0">
+              <a:sym typeface="Wingdings" panose="05000000000000000000" pitchFamily="2" charset="2"/>
+            </a:endParaRPr>
+          </a:p>
+          <a:p>
+            <a:pPr>
+              <a:buFont typeface="Arial" panose="020B0604020202020204" pitchFamily="34" charset="0"/>
+              <a:buChar char="•"/>
+            </a:pPr>
+            <a:endParaRPr lang="en-GB" dirty="0"/>
           </a:p>
         </p:txBody>
       </p:sp>
@@ -8649,7 +8851,7 @@
           <p:cNvPr id="3" name="Titel 2">
             <a:extLst>
               <a:ext uri="{FF2B5EF4-FFF2-40B4-BE49-F238E27FC236}">
-                <a16:creationId xmlns:a16="http://schemas.microsoft.com/office/drawing/2014/main" id="{81A16BC9-8D1B-4105-91A1-36BF4B9B2927}"/>
+                <a16:creationId xmlns:a16="http://schemas.microsoft.com/office/drawing/2014/main" id="{FF9810FC-58C1-4D1D-973D-E74234D60674}"/>
               </a:ext>
             </a:extLst>
           </p:cNvPr>
@@ -8666,8 +8868,8 @@
           <a:lstStyle/>
           <a:p>
             <a:r>
-              <a:rPr lang="de-AT" dirty="0"/>
-              <a:t>FFT-Header</a:t>
+              <a:rPr lang="en-GB" dirty="0"/>
+              <a:t>Accuracy</a:t>
             </a:r>
           </a:p>
         </p:txBody>
@@ -8675,7 +8877,7 @@
     </p:spTree>
     <p:extLst>
       <p:ext uri="{BB962C8B-B14F-4D97-AF65-F5344CB8AC3E}">
-        <p14:creationId xmlns:p14="http://schemas.microsoft.com/office/powerpoint/2010/main" val="3845284727"/>
+        <p14:creationId xmlns:p14="http://schemas.microsoft.com/office/powerpoint/2010/main" val="1551781082"/>
       </p:ext>
     </p:extLst>
   </p:cSld>
@@ -8707,7 +8909,7 @@
           <p:cNvPr id="2" name="Inhaltsplatzhalter 1">
             <a:extLst>
               <a:ext uri="{FF2B5EF4-FFF2-40B4-BE49-F238E27FC236}">
-                <a16:creationId xmlns:a16="http://schemas.microsoft.com/office/drawing/2014/main" id="{314AFC4A-91C6-4375-B942-E867BD9DED64}"/>
+                <a16:creationId xmlns:a16="http://schemas.microsoft.com/office/drawing/2014/main" id="{31D8B3AC-969D-427D-B714-97CDACC0798A}"/>
               </a:ext>
             </a:extLst>
           </p:cNvPr>
@@ -8727,7 +8929,7 @@
               <a:buFont typeface="Arial" panose="020B0604020202020204" pitchFamily="34" charset="0"/>
               <a:buChar char="•"/>
             </a:pPr>
-            <a:endParaRPr lang="en-US" dirty="0"/>
+            <a:endParaRPr lang="de-AT" dirty="0"/>
           </a:p>
           <a:p>
             <a:pPr>
@@ -8736,7 +8938,7 @@
             </a:pPr>
             <a:r>
               <a:rPr lang="en-US" dirty="0"/>
-              <a:t>This has to be done for 14 header blocks two times (stereo)</a:t>
+              <a:t>48 kHz Sampling frequency</a:t>
             </a:r>
           </a:p>
           <a:p>
@@ -8753,7 +8955,7 @@
             </a:pPr>
             <a:r>
               <a:rPr lang="en-US" dirty="0"/>
-              <a:t>Assuming 500.000 cycles time for the multiplication</a:t>
+              <a:t>100 MHz clock</a:t>
             </a:r>
           </a:p>
           <a:p>
@@ -8769,8 +8971,14 @@
               <a:buChar char="•"/>
             </a:pPr>
             <a:r>
+              <a:rPr lang="en-US" dirty="0">
+                <a:sym typeface="Wingdings" panose="05000000000000000000" pitchFamily="2" charset="2"/>
+              </a:rPr>
+              <a:t></a:t>
+            </a:r>
+            <a:r>
               <a:rPr lang="en-US" dirty="0"/>
-              <a:t>(256 * 14 * 2) * x = 500.000 =&gt; x ≈ 69 cycles time for each multiplication</a:t>
+              <a:t> new sample every 2080 cycles</a:t>
             </a:r>
             <a:endParaRPr lang="de-AT" dirty="0"/>
           </a:p>
@@ -8781,7 +8989,7 @@
           <p:cNvPr id="3" name="Titel 2">
             <a:extLst>
               <a:ext uri="{FF2B5EF4-FFF2-40B4-BE49-F238E27FC236}">
-                <a16:creationId xmlns:a16="http://schemas.microsoft.com/office/drawing/2014/main" id="{81A16BC9-8D1B-4105-91A1-36BF4B9B2927}"/>
+                <a16:creationId xmlns:a16="http://schemas.microsoft.com/office/drawing/2014/main" id="{F048C502-029A-4B34-95F4-4D1589BE0736}"/>
               </a:ext>
             </a:extLst>
           </p:cNvPr>
@@ -8799,7 +9007,7 @@
           <a:p>
             <a:r>
               <a:rPr lang="de-AT" dirty="0"/>
-              <a:t>FFT-Header</a:t>
+              <a:t>Timing</a:t>
             </a:r>
           </a:p>
         </p:txBody>
@@ -8807,7 +9015,7 @@
     </p:spTree>
     <p:extLst>
       <p:ext uri="{BB962C8B-B14F-4D97-AF65-F5344CB8AC3E}">
-        <p14:creationId xmlns:p14="http://schemas.microsoft.com/office/powerpoint/2010/main" val="2231298059"/>
+        <p14:creationId xmlns:p14="http://schemas.microsoft.com/office/powerpoint/2010/main" val="4014599817"/>
       </p:ext>
     </p:extLst>
   </p:cSld>
@@ -8839,7 +9047,7 @@
           <p:cNvPr id="2" name="Inhaltsplatzhalter 1">
             <a:extLst>
               <a:ext uri="{FF2B5EF4-FFF2-40B4-BE49-F238E27FC236}">
-                <a16:creationId xmlns:a16="http://schemas.microsoft.com/office/drawing/2014/main" id="{48858A6A-6E03-4292-812A-F2816EFC367B}"/>
+                <a16:creationId xmlns:a16="http://schemas.microsoft.com/office/drawing/2014/main" id="{6D036B9F-7B31-46E3-9CCD-B2D1D26300ED}"/>
               </a:ext>
             </a:extLst>
           </p:cNvPr>
@@ -8855,26 +9063,45 @@
           <a:bodyPr/>
           <a:lstStyle/>
           <a:p>
-            <a:r>
-              <a:rPr lang="en-US" dirty="0"/>
-              <a:t> </a:t>
-            </a:r>
-          </a:p>
-          <a:p>
             <a:pPr>
               <a:buFont typeface="Arial" panose="020B0604020202020204" pitchFamily="34" charset="0"/>
               <a:buChar char="•"/>
             </a:pPr>
             <a:r>
+              <a:rPr lang="en-GB" dirty="0"/>
+              <a:t>FIR</a:t>
+            </a:r>
+          </a:p>
+          <a:p>
+            <a:pPr lvl="1"/>
+            <a:r>
               <a:rPr lang="en-US" dirty="0"/>
-              <a:t>23 blocks with 4096 samples each</a:t>
-            </a:r>
+              <a:t>2080 cycles</a:t>
+            </a:r>
+          </a:p>
+          <a:p>
+            <a:pPr lvl="1"/>
+            <a:endParaRPr lang="en-US" dirty="0"/>
           </a:p>
           <a:p>
             <a:pPr>
               <a:buFont typeface="Arial" panose="020B0604020202020204" pitchFamily="34" charset="0"/>
               <a:buChar char="•"/>
             </a:pPr>
+            <a:r>
+              <a:rPr lang="en-US" dirty="0"/>
+              <a:t>FFT-Header</a:t>
+            </a:r>
+          </a:p>
+          <a:p>
+            <a:pPr lvl="1"/>
+            <a:r>
+              <a:rPr lang="en-US" dirty="0"/>
+              <a:t>532.480 cycles</a:t>
+            </a:r>
+          </a:p>
+          <a:p>
+            <a:pPr lvl="1"/>
             <a:endParaRPr lang="en-US" dirty="0"/>
           </a:p>
           <a:p>
@@ -8884,22 +9111,42 @@
             </a:pPr>
             <a:r>
               <a:rPr lang="en-US" dirty="0"/>
-              <a:t>result has to be computed after 4096 samples </a:t>
-            </a:r>
-            <a:br>
+              <a:t>FFT-Body</a:t>
+            </a:r>
+          </a:p>
+          <a:p>
+            <a:pPr lvl="1"/>
+            <a:r>
               <a:rPr lang="en-US" dirty="0"/>
-            </a:br>
-            <a:r>
-              <a:rPr lang="en-US" dirty="0"/>
-              <a:t>or 8.519.680 cycles</a:t>
-            </a:r>
+              <a:t>8.519.680 cycles</a:t>
+            </a:r>
+          </a:p>
+          <a:p>
+            <a:pPr marL="457200" lvl="1" indent="0">
+              <a:buNone/>
+            </a:pPr>
+            <a:endParaRPr lang="en-US" dirty="0"/>
           </a:p>
           <a:p>
             <a:pPr>
               <a:buFont typeface="Arial" panose="020B0604020202020204" pitchFamily="34" charset="0"/>
               <a:buChar char="•"/>
             </a:pPr>
-            <a:endParaRPr lang="en-US" dirty="0"/>
+            <a:r>
+              <a:rPr lang="en-GB" dirty="0"/>
+              <a:t>Bottleneck</a:t>
+            </a:r>
+          </a:p>
+          <a:p>
+            <a:pPr lvl="1"/>
+            <a:r>
+              <a:rPr lang="en-GB" dirty="0"/>
+              <a:t>Memory read for multiplication</a:t>
+            </a:r>
+          </a:p>
+          <a:p>
+            <a:pPr lvl="1"/>
+            <a:endParaRPr lang="en-GB" dirty="0"/>
           </a:p>
         </p:txBody>
       </p:sp>
@@ -8908,7 +9155,7 @@
           <p:cNvPr id="3" name="Titel 2">
             <a:extLst>
               <a:ext uri="{FF2B5EF4-FFF2-40B4-BE49-F238E27FC236}">
-                <a16:creationId xmlns:a16="http://schemas.microsoft.com/office/drawing/2014/main" id="{C03AE108-F435-4FAA-8DAA-E0EE5B3E54F0}"/>
+                <a16:creationId xmlns:a16="http://schemas.microsoft.com/office/drawing/2014/main" id="{B4D4AC2E-527D-4993-9D83-D1E9BC348327}"/>
               </a:ext>
             </a:extLst>
           </p:cNvPr>
@@ -8926,16 +9173,15 @@
           <a:p>
             <a:r>
               <a:rPr lang="en-GB" dirty="0"/>
-              <a:t>FFT-Body</a:t>
-            </a:r>
-            <a:endParaRPr lang="de-AT" dirty="0"/>
+              <a:t>Timing requirement</a:t>
+            </a:r>
           </a:p>
         </p:txBody>
       </p:sp>
     </p:spTree>
     <p:extLst>
       <p:ext uri="{BB962C8B-B14F-4D97-AF65-F5344CB8AC3E}">
-        <p14:creationId xmlns:p14="http://schemas.microsoft.com/office/powerpoint/2010/main" val="3843805525"/>
+        <p14:creationId xmlns:p14="http://schemas.microsoft.com/office/powerpoint/2010/main" val="3659346471"/>
       </p:ext>
     </p:extLst>
   </p:cSld>
@@ -8967,7 +9213,7 @@
           <p:cNvPr id="2" name="Inhaltsplatzhalter 1">
             <a:extLst>
               <a:ext uri="{FF2B5EF4-FFF2-40B4-BE49-F238E27FC236}">
-                <a16:creationId xmlns:a16="http://schemas.microsoft.com/office/drawing/2014/main" id="{48858A6A-6E03-4292-812A-F2816EFC367B}"/>
+                <a16:creationId xmlns:a16="http://schemas.microsoft.com/office/drawing/2014/main" id="{6D036B9F-7B31-46E3-9CCD-B2D1D26300ED}"/>
               </a:ext>
             </a:extLst>
           </p:cNvPr>
@@ -8987,7 +9233,21 @@
               <a:buFont typeface="Arial" panose="020B0604020202020204" pitchFamily="34" charset="0"/>
               <a:buChar char="•"/>
             </a:pPr>
-            <a:endParaRPr lang="en-GB"/>
+            <a:r>
+              <a:rPr lang="en-GB" dirty="0"/>
+              <a:t>FIR</a:t>
+            </a:r>
+          </a:p>
+          <a:p>
+            <a:pPr lvl="1"/>
+            <a:r>
+              <a:rPr lang="en-US" dirty="0"/>
+              <a:t>No problem</a:t>
+            </a:r>
+          </a:p>
+          <a:p>
+            <a:pPr lvl="1"/>
+            <a:endParaRPr lang="en-US" dirty="0"/>
           </a:p>
           <a:p>
             <a:pPr>
@@ -8995,102 +9255,79 @@
               <a:buChar char="•"/>
             </a:pPr>
             <a:r>
-              <a:rPr lang="en-GB"/>
-              <a:t>Calculating body blocks requires</a:t>
+              <a:rPr lang="en-US" dirty="0"/>
+              <a:t>FFT-Header</a:t>
             </a:r>
           </a:p>
           <a:p>
             <a:pPr lvl="1"/>
             <a:r>
-              <a:rPr lang="en-GB"/>
-              <a:t>1 cycle for saving new x</a:t>
+              <a:rPr lang="en-US" dirty="0"/>
+              <a:t>SRAM requires 4 access / sample</a:t>
             </a:r>
           </a:p>
           <a:p>
             <a:pPr lvl="1"/>
-            <a:endParaRPr lang="en-GB"/>
+            <a:r>
+              <a:rPr lang="en-US" dirty="0"/>
+              <a:t>Access time 1 cycle</a:t>
+            </a:r>
           </a:p>
           <a:p>
             <a:pPr lvl="1"/>
             <a:r>
-              <a:rPr lang="en-GB"/>
-              <a:t>4096 cycles for FFT ( x </a:t>
-            </a:r>
-            <a:r>
-              <a:rPr lang="en-GB">
-                <a:sym typeface="Wingdings" panose="05000000000000000000" pitchFamily="2" charset="2"/>
-              </a:rPr>
-              <a:t></a:t>
-            </a:r>
-            <a:r>
-              <a:rPr lang="en-GB"/>
-              <a:t> X )</a:t>
+              <a:rPr lang="en-US" dirty="0"/>
+              <a:t>Requires 458.752 of 532.480 cycles </a:t>
             </a:r>
           </a:p>
           <a:p>
             <a:pPr lvl="1"/>
-            <a:endParaRPr lang="en-GB"/>
+            <a:r>
+              <a:rPr lang="en-US" dirty="0"/>
+              <a:t>73.728 cycles for other operations</a:t>
+            </a:r>
           </a:p>
           <a:p>
             <a:pPr lvl="1"/>
-            <a:r>
-              <a:rPr lang="en-GB"/>
-              <a:t>for each block</a:t>
-            </a:r>
-          </a:p>
-          <a:p>
-            <a:pPr lvl="2"/>
-            <a:r>
-              <a:rPr lang="en-GB"/>
-              <a:t>8192 cycles for reading H</a:t>
-            </a:r>
-            <a:r>
-              <a:rPr lang="en-GB" baseline="-25000"/>
-              <a:t>n</a:t>
-            </a:r>
-            <a:r>
-              <a:rPr lang="en-GB"/>
-              <a:t> ( read from SRAM is 2 cycles )</a:t>
-            </a:r>
-          </a:p>
-          <a:p>
-            <a:pPr lvl="2"/>
-            <a:r>
-              <a:rPr lang="en-GB"/>
-              <a:t>?? cycles for multiplication ( X * Hn )</a:t>
-            </a:r>
-          </a:p>
-          <a:p>
-            <a:pPr lvl="2"/>
-            <a:r>
-              <a:rPr lang="en-GB"/>
-              <a:t>1 cycle for accumulation</a:t>
-            </a:r>
-          </a:p>
-          <a:p>
-            <a:pPr lvl="2"/>
-            <a:endParaRPr lang="en-GB"/>
+            <a:endParaRPr lang="en-US" dirty="0"/>
+          </a:p>
+          <a:p>
+            <a:pPr>
+              <a:buFont typeface="Arial" panose="020B0604020202020204" pitchFamily="34" charset="0"/>
+              <a:buChar char="•"/>
+            </a:pPr>
+            <a:r>
+              <a:rPr lang="en-US" dirty="0"/>
+              <a:t>FFT-Body</a:t>
+            </a:r>
           </a:p>
           <a:p>
             <a:pPr lvl="1"/>
             <a:r>
-              <a:rPr lang="en-GB"/>
-              <a:t>8192 cycles for IFFT ( X </a:t>
-            </a:r>
-            <a:r>
-              <a:rPr lang="en-GB">
-                <a:sym typeface="Wingdings" panose="05000000000000000000" pitchFamily="2" charset="2"/>
-              </a:rPr>
-              <a:t></a:t>
-            </a:r>
-            <a:r>
-              <a:rPr lang="en-GB"/>
-              <a:t> x )</a:t>
+              <a:rPr lang="en-US" dirty="0"/>
+              <a:t>SDRAM requires 2 access / sample</a:t>
             </a:r>
           </a:p>
           <a:p>
             <a:pPr lvl="1"/>
-            <a:endParaRPr lang="en-GB"/>
+            <a:r>
+              <a:rPr lang="en-US" dirty="0"/>
+              <a:t>Access time 1,2 cycles</a:t>
+            </a:r>
+          </a:p>
+          <a:p>
+            <a:pPr lvl="1"/>
+            <a:r>
+              <a:rPr lang="en-US" dirty="0"/>
+              <a:t>Requires 3.617.588 of 8.519.680 cycles</a:t>
+            </a:r>
+          </a:p>
+          <a:p>
+            <a:pPr lvl="1"/>
+            <a:r>
+              <a:rPr lang="en-US" dirty="0"/>
+              <a:t>4.902.092 cycles for other operations</a:t>
+            </a:r>
           </a:p>
         </p:txBody>
       </p:sp>
@@ -9099,7 +9336,7 @@
           <p:cNvPr id="3" name="Titel 2">
             <a:extLst>
               <a:ext uri="{FF2B5EF4-FFF2-40B4-BE49-F238E27FC236}">
-                <a16:creationId xmlns:a16="http://schemas.microsoft.com/office/drawing/2014/main" id="{C03AE108-F435-4FAA-8DAA-E0EE5B3E54F0}"/>
+                <a16:creationId xmlns:a16="http://schemas.microsoft.com/office/drawing/2014/main" id="{B4D4AC2E-527D-4993-9D83-D1E9BC348327}"/>
               </a:ext>
             </a:extLst>
           </p:cNvPr>
@@ -9117,7 +9354,7 @@
           <a:p>
             <a:r>
               <a:rPr lang="en-GB" dirty="0"/>
-              <a:t>FFT-Body</a:t>
+              <a:t>Timing requirement</a:t>
             </a:r>
           </a:p>
         </p:txBody>
@@ -9125,7 +9362,7 @@
     </p:spTree>
     <p:extLst>
       <p:ext uri="{BB962C8B-B14F-4D97-AF65-F5344CB8AC3E}">
-        <p14:creationId xmlns:p14="http://schemas.microsoft.com/office/powerpoint/2010/main" val="3235686920"/>
+        <p14:creationId xmlns:p14="http://schemas.microsoft.com/office/powerpoint/2010/main" val="2231687691"/>
       </p:ext>
     </p:extLst>
   </p:cSld>
@@ -9157,7 +9394,7 @@
           <p:cNvPr id="2" name="Inhaltsplatzhalter 1">
             <a:extLst>
               <a:ext uri="{FF2B5EF4-FFF2-40B4-BE49-F238E27FC236}">
-                <a16:creationId xmlns:a16="http://schemas.microsoft.com/office/drawing/2014/main" id="{48858A6A-6E03-4292-812A-F2816EFC367B}"/>
+                <a16:creationId xmlns:a16="http://schemas.microsoft.com/office/drawing/2014/main" id="{A36F794C-DA2A-4370-A1CB-24ABE091FC40}"/>
               </a:ext>
             </a:extLst>
           </p:cNvPr>
@@ -9168,12 +9405,17 @@
             <p:ph idx="1"/>
           </p:nvPr>
         </p:nvSpPr>
-        <p:spPr/>
+        <p:spPr>
+          <a:xfrm>
+            <a:off x="857224" y="1124744"/>
+            <a:ext cx="7429552" cy="5001419"/>
+          </a:xfrm>
+        </p:spPr>
         <p:txBody>
           <a:bodyPr/>
           <a:lstStyle/>
           <a:p>
-            <a:endParaRPr lang="en-GB"/>
+            <a:endParaRPr lang="en-GB" dirty="0"/>
           </a:p>
           <a:p>
             <a:pPr>
@@ -9181,8 +9423,8 @@
               <a:buChar char="•"/>
             </a:pPr>
             <a:r>
-              <a:rPr lang="en-GB"/>
-              <a:t>This has to be done for 23 body blocks two times (stereo)</a:t>
+              <a:rPr lang="en-GB" dirty="0"/>
+              <a:t>Currently implement in matlab script</a:t>
             </a:r>
           </a:p>
           <a:p>
@@ -9190,7 +9432,7 @@
               <a:buFont typeface="Arial" panose="020B0604020202020204" pitchFamily="34" charset="0"/>
               <a:buChar char="•"/>
             </a:pPr>
-            <a:endParaRPr lang="en-GB"/>
+            <a:endParaRPr lang="en-GB" dirty="0"/>
           </a:p>
           <a:p>
             <a:pPr>
@@ -9198,25 +9440,26 @@
               <a:buChar char="•"/>
             </a:pPr>
             <a:r>
-              <a:rPr lang="en-GB"/>
-              <a:t>Assuming 8.400.000 cylces time for the multiplication</a:t>
-            </a:r>
-          </a:p>
-          <a:p>
-            <a:pPr>
-              <a:buFont typeface="Arial" panose="020B0604020202020204" pitchFamily="34" charset="0"/>
-              <a:buChar char="•"/>
-            </a:pPr>
-            <a:endParaRPr lang="en-GB"/>
-          </a:p>
-          <a:p>
-            <a:pPr>
-              <a:buFont typeface="Arial" panose="020B0604020202020204" pitchFamily="34" charset="0"/>
-              <a:buChar char="•"/>
-            </a:pPr>
-            <a:r>
-              <a:rPr lang="en-GB"/>
-              <a:t>(4096 * 23 * 2) * x = 8.400.000 =&gt; x ≈ 44 cycles time for each multiplication</a:t>
+              <a:rPr lang="en-GB" dirty="0"/>
+              <a:t>Next step:</a:t>
+            </a:r>
+          </a:p>
+          <a:p>
+            <a:pPr lvl="1"/>
+            <a:r>
+              <a:rPr lang="en-GB" dirty="0"/>
+              <a:t>C program</a:t>
+            </a:r>
+          </a:p>
+          <a:p>
+            <a:pPr lvl="1"/>
+            <a:endParaRPr lang="en-GB" dirty="0"/>
+          </a:p>
+          <a:p>
+            <a:pPr lvl="1"/>
+            <a:r>
+              <a:rPr lang="en-GB" dirty="0"/>
+              <a:t>Using hardware components</a:t>
             </a:r>
           </a:p>
         </p:txBody>
@@ -9226,7 +9469,7 @@
           <p:cNvPr id="3" name="Titel 2">
             <a:extLst>
               <a:ext uri="{FF2B5EF4-FFF2-40B4-BE49-F238E27FC236}">
-                <a16:creationId xmlns:a16="http://schemas.microsoft.com/office/drawing/2014/main" id="{C03AE108-F435-4FAA-8DAA-E0EE5B3E54F0}"/>
+                <a16:creationId xmlns:a16="http://schemas.microsoft.com/office/drawing/2014/main" id="{C02B50D5-5F1B-4937-851B-4F4B7F9B5D67}"/>
               </a:ext>
             </a:extLst>
           </p:cNvPr>
@@ -9244,7 +9487,7 @@
           <a:p>
             <a:r>
               <a:rPr lang="en-GB" dirty="0"/>
-              <a:t>FFT-Body</a:t>
+              <a:t>Algorithm</a:t>
             </a:r>
           </a:p>
         </p:txBody>
@@ -9252,7 +9495,7 @@
     </p:spTree>
     <p:extLst>
       <p:ext uri="{BB962C8B-B14F-4D97-AF65-F5344CB8AC3E}">
-        <p14:creationId xmlns:p14="http://schemas.microsoft.com/office/powerpoint/2010/main" val="3231003891"/>
+        <p14:creationId xmlns:p14="http://schemas.microsoft.com/office/powerpoint/2010/main" val="2430699346"/>
       </p:ext>
     </p:extLst>
   </p:cSld>
@@ -9263,118 +9506,6 @@
 </file>
 
 <file path=ppt/slides/slide18.xml><?xml version="1.0" encoding="utf-8"?>
-<p:sld xmlns:a="http://schemas.openxmlformats.org/drawingml/2006/main" xmlns:r="http://schemas.openxmlformats.org/officeDocument/2006/relationships" xmlns:p="http://schemas.openxmlformats.org/presentationml/2006/main">
-  <p:cSld>
-    <p:spTree>
-      <p:nvGrpSpPr>
-        <p:cNvPr id="1" name=""/>
-        <p:cNvGrpSpPr/>
-        <p:nvPr/>
-      </p:nvGrpSpPr>
-      <p:grpSpPr>
-        <a:xfrm>
-          <a:off x="0" y="0"/>
-          <a:ext cx="0" cy="0"/>
-          <a:chOff x="0" y="0"/>
-          <a:chExt cx="0" cy="0"/>
-        </a:xfrm>
-      </p:grpSpPr>
-      <p:sp>
-        <p:nvSpPr>
-          <p:cNvPr id="2" name="Inhaltsplatzhalter 1">
-            <a:extLst>
-              <a:ext uri="{FF2B5EF4-FFF2-40B4-BE49-F238E27FC236}">
-                <a16:creationId xmlns:a16="http://schemas.microsoft.com/office/drawing/2014/main" id="{22446E4B-76A9-4DC5-93A3-8D1EE5EDF712}"/>
-              </a:ext>
-            </a:extLst>
-          </p:cNvPr>
-          <p:cNvSpPr>
-            <a:spLocks noGrp="1"/>
-          </p:cNvSpPr>
-          <p:nvPr>
-            <p:ph idx="1"/>
-          </p:nvPr>
-        </p:nvSpPr>
-        <p:spPr/>
-        <p:txBody>
-          <a:bodyPr/>
-          <a:lstStyle/>
-          <a:p>
-            <a:endParaRPr lang="en-US" dirty="0"/>
-          </a:p>
-          <a:p>
-            <a:pPr>
-              <a:buFont typeface="Arial" panose="020B0604020202020204" pitchFamily="34" charset="0"/>
-              <a:buChar char="•"/>
-            </a:pPr>
-            <a:r>
-              <a:rPr lang="en-US" dirty="0"/>
-              <a:t>Calculating FFT-Header and FFT-Body at the same time</a:t>
-            </a:r>
-          </a:p>
-          <a:p>
-            <a:pPr>
-              <a:buFont typeface="Arial" panose="020B0604020202020204" pitchFamily="34" charset="0"/>
-              <a:buChar char="•"/>
-            </a:pPr>
-            <a:endParaRPr lang="en-US" dirty="0"/>
-          </a:p>
-          <a:p>
-            <a:pPr>
-              <a:buFont typeface="Arial" panose="020B0604020202020204" pitchFamily="34" charset="0"/>
-              <a:buChar char="•"/>
-            </a:pPr>
-            <a:r>
-              <a:rPr lang="en-US" dirty="0"/>
-              <a:t>According to estimates one FFT-Body can be finished after one FFT-Header was calculated</a:t>
-            </a:r>
-            <a:endParaRPr lang="en-GB" dirty="0"/>
-          </a:p>
-        </p:txBody>
-      </p:sp>
-      <p:sp>
-        <p:nvSpPr>
-          <p:cNvPr id="3" name="Titel 2">
-            <a:extLst>
-              <a:ext uri="{FF2B5EF4-FFF2-40B4-BE49-F238E27FC236}">
-                <a16:creationId xmlns:a16="http://schemas.microsoft.com/office/drawing/2014/main" id="{22BB5F4F-07C4-472B-A6B0-0603E1D09F9C}"/>
-              </a:ext>
-            </a:extLst>
-          </p:cNvPr>
-          <p:cNvSpPr>
-            <a:spLocks noGrp="1"/>
-          </p:cNvSpPr>
-          <p:nvPr>
-            <p:ph type="title"/>
-          </p:nvPr>
-        </p:nvSpPr>
-        <p:spPr/>
-        <p:txBody>
-          <a:bodyPr/>
-          <a:lstStyle/>
-          <a:p>
-            <a:r>
-              <a:rPr lang="en-US" dirty="0"/>
-              <a:t>FFT - Bottleneck</a:t>
-            </a:r>
-            <a:endParaRPr lang="en-GB" dirty="0"/>
-          </a:p>
-        </p:txBody>
-      </p:sp>
-    </p:spTree>
-    <p:extLst>
-      <p:ext uri="{BB962C8B-B14F-4D97-AF65-F5344CB8AC3E}">
-        <p14:creationId xmlns:p14="http://schemas.microsoft.com/office/powerpoint/2010/main" val="100251930"/>
-      </p:ext>
-    </p:extLst>
-  </p:cSld>
-  <p:clrMapOvr>
-    <a:masterClrMapping/>
-  </p:clrMapOvr>
-</p:sld>
-</file>
-
-<file path=ppt/slides/slide19.xml><?xml version="1.0" encoding="utf-8"?>
 <p:sld xmlns:a="http://schemas.openxmlformats.org/drawingml/2006/main" xmlns:r="http://schemas.openxmlformats.org/officeDocument/2006/relationships" xmlns:p="http://schemas.openxmlformats.org/presentationml/2006/main">
   <p:cSld>
     <p:spTree>
@@ -9516,7 +9647,7 @@
           <a:lstStyle/>
           <a:p>
             <a:r>
-              <a:rPr lang="en-GB"/>
+              <a:rPr lang="en-GB" dirty="0"/>
               <a:t>Task idea</a:t>
             </a:r>
           </a:p>
@@ -9583,7 +9714,7 @@
             <a:p>
               <a:pPr algn="ctr"/>
               <a:r>
-                <a:rPr lang="en-GB"/>
+                <a:rPr lang="en-GB" dirty="0"/>
                 <a:t>Direct FIR</a:t>
               </a:r>
             </a:p>
@@ -9630,7 +9761,7 @@
             <a:p>
               <a:pPr algn="ctr"/>
               <a:r>
-                <a:rPr lang="en-GB"/>
+                <a:rPr lang="en-GB" dirty="0"/>
                 <a:t>FDL Header</a:t>
               </a:r>
             </a:p>
@@ -9677,7 +9808,7 @@
             <a:p>
               <a:pPr algn="ctr"/>
               <a:r>
-                <a:rPr lang="en-GB"/>
+                <a:rPr lang="en-GB" dirty="0"/>
                 <a:t>FDL Body</a:t>
               </a:r>
             </a:p>
@@ -9723,7 +9854,7 @@
             <a:lstStyle/>
             <a:p>
               <a:pPr algn="ctr"/>
-              <a:endParaRPr lang="en-GB"/>
+              <a:endParaRPr lang="en-GB" dirty="0"/>
             </a:p>
           </p:txBody>
         </p:sp>
@@ -10260,7 +10391,7 @@
             <a:lstStyle/>
             <a:p>
               <a:r>
-                <a:rPr lang="en-GB"/>
+                <a:rPr lang="en-GB" dirty="0"/>
                 <a:t>Input</a:t>
               </a:r>
             </a:p>
@@ -10295,7 +10426,7 @@
             <a:lstStyle/>
             <a:p>
               <a:r>
-                <a:rPr lang="en-GB"/>
+                <a:rPr lang="en-GB" dirty="0"/>
                 <a:t>Output</a:t>
               </a:r>
             </a:p>
@@ -10330,7 +10461,7 @@
             <a:lstStyle/>
             <a:p>
               <a:r>
-                <a:rPr lang="en-GB"/>
+                <a:rPr lang="en-GB" dirty="0"/>
                 <a:t>512 Samples</a:t>
               </a:r>
             </a:p>
@@ -10365,7 +10496,7 @@
             <a:lstStyle/>
             <a:p>
               <a:r>
-                <a:rPr lang="en-GB"/>
+                <a:rPr lang="en-GB" dirty="0"/>
                 <a:t>256 Samples</a:t>
               </a:r>
             </a:p>
@@ -10838,7 +10969,7 @@
             <a:lstStyle/>
             <a:p>
               <a:pPr algn="ctr"/>
-              <a:endParaRPr lang="de-AT"/>
+              <a:endParaRPr lang="de-AT" dirty="0"/>
             </a:p>
           </p:txBody>
         </p:sp>
@@ -10890,7 +11021,7 @@
             <a:lstStyle/>
             <a:p>
               <a:pPr algn="ctr"/>
-              <a:endParaRPr lang="de-AT"/>
+              <a:endParaRPr lang="de-AT" dirty="0"/>
             </a:p>
           </p:txBody>
         </p:sp>
@@ -10942,7 +11073,7 @@
             <a:lstStyle/>
             <a:p>
               <a:pPr algn="ctr"/>
-              <a:endParaRPr lang="de-AT"/>
+              <a:endParaRPr lang="de-AT" dirty="0"/>
             </a:p>
           </p:txBody>
         </p:sp>
@@ -10994,7 +11125,7 @@
             <a:lstStyle/>
             <a:p>
               <a:pPr algn="ctr"/>
-              <a:endParaRPr lang="de-AT"/>
+              <a:endParaRPr lang="de-AT" dirty="0"/>
             </a:p>
           </p:txBody>
         </p:sp>
@@ -11046,7 +11177,7 @@
             <a:lstStyle/>
             <a:p>
               <a:pPr algn="ctr"/>
-              <a:endParaRPr lang="de-AT"/>
+              <a:endParaRPr lang="de-AT" dirty="0"/>
             </a:p>
           </p:txBody>
         </p:sp>
@@ -11471,14 +11602,13 @@
             <a:lstStyle/>
             <a:p>
               <a:r>
-                <a:rPr lang="de-AT" dirty="0" err="1"/>
+                <a:rPr lang="de-AT" dirty="0"/>
                 <a:t>b</a:t>
               </a:r>
               <a:r>
-                <a:rPr lang="de-AT" baseline="-25000" dirty="0" err="1"/>
+                <a:rPr lang="de-AT" baseline="-25000" dirty="0"/>
                 <a:t>N</a:t>
               </a:r>
-              <a:endParaRPr lang="de-AT" baseline="-25000" dirty="0"/>
             </a:p>
           </p:txBody>
         </p:sp>
@@ -11743,7 +11873,7 @@
             <a:lstStyle/>
             <a:p>
               <a:pPr algn="ctr"/>
-              <a:endParaRPr lang="de-AT"/>
+              <a:endParaRPr lang="de-AT" dirty="0"/>
             </a:p>
           </p:txBody>
         </p:sp>
@@ -11795,7 +11925,7 @@
             <a:lstStyle/>
             <a:p>
               <a:pPr algn="ctr"/>
-              <a:endParaRPr lang="de-AT"/>
+              <a:endParaRPr lang="de-AT" dirty="0"/>
             </a:p>
           </p:txBody>
         </p:sp>
@@ -11847,7 +11977,7 @@
             <a:lstStyle/>
             <a:p>
               <a:pPr algn="ctr"/>
-              <a:endParaRPr lang="de-AT"/>
+              <a:endParaRPr lang="de-AT" dirty="0"/>
             </a:p>
           </p:txBody>
         </p:sp>
@@ -12124,7 +12254,7 @@
             <a:lstStyle/>
             <a:p>
               <a:pPr algn="ctr"/>
-              <a:endParaRPr lang="de-AT"/>
+              <a:endParaRPr lang="de-AT" dirty="0"/>
             </a:p>
           </p:txBody>
         </p:sp>
@@ -12176,7 +12306,7 @@
             <a:lstStyle/>
             <a:p>
               <a:pPr algn="ctr"/>
-              <a:endParaRPr lang="de-AT"/>
+              <a:endParaRPr lang="de-AT" dirty="0"/>
             </a:p>
           </p:txBody>
         </p:sp>
@@ -12228,7 +12358,7 @@
             <a:lstStyle/>
             <a:p>
               <a:pPr algn="ctr"/>
-              <a:endParaRPr lang="de-AT"/>
+              <a:endParaRPr lang="de-AT" dirty="0"/>
             </a:p>
           </p:txBody>
         </p:sp>
@@ -12890,15 +13020,7 @@
             </a:pPr>
             <a:r>
               <a:rPr lang="en-GB" dirty="0"/>
-              <a:t>Latency: 4 </a:t>
-            </a:r>
-            <a:r>
-              <a:rPr lang="en-GB" dirty="0" err="1"/>
-              <a:t>cylces</a:t>
-            </a:r>
-            <a:r>
-              <a:rPr lang="en-GB" dirty="0"/>
-              <a:t> </a:t>
+              <a:t>Latency: 4 cycles </a:t>
             </a:r>
           </a:p>
           <a:p>
@@ -12991,7 +13113,7 @@
           <a:lstStyle/>
           <a:p>
             <a:r>
-              <a:rPr lang="en-GB"/>
+              <a:rPr lang="en-GB" dirty="0"/>
               <a:t>N-taps FIR-Filter</a:t>
             </a:r>
           </a:p>
@@ -13068,7 +13190,7 @@
           <a:lstStyle/>
           <a:p>
             <a:r>
-              <a:rPr lang="en-GB"/>
+              <a:rPr lang="en-GB" dirty="0"/>
               <a:t>New FIR-Filter idea</a:t>
             </a:r>
           </a:p>
@@ -13136,21 +13258,21 @@
             <a:p>
               <a:pPr algn="ctr"/>
               <a:r>
-                <a:rPr lang="en-GB"/>
+                <a:rPr lang="en-GB" dirty="0"/>
                 <a:t>FIFO /</a:t>
               </a:r>
             </a:p>
             <a:p>
               <a:pPr algn="ctr"/>
               <a:r>
-                <a:rPr lang="en-GB"/>
+                <a:rPr lang="en-GB" dirty="0"/>
                 <a:t>On-Chip Memory</a:t>
               </a:r>
             </a:p>
             <a:p>
               <a:pPr algn="ctr"/>
               <a:r>
-                <a:rPr lang="en-GB"/>
+                <a:rPr lang="en-GB" dirty="0"/>
                 <a:t>Input</a:t>
               </a:r>
             </a:p>
@@ -13198,21 +13320,21 @@
             <a:p>
               <a:pPr algn="ctr"/>
               <a:r>
-                <a:rPr lang="en-GB"/>
+                <a:rPr lang="en-GB" dirty="0"/>
                 <a:t>FIFO /</a:t>
               </a:r>
             </a:p>
             <a:p>
               <a:pPr algn="ctr"/>
               <a:r>
-                <a:rPr lang="en-GB"/>
+                <a:rPr lang="en-GB" dirty="0"/>
                 <a:t>On-Chip Memory</a:t>
               </a:r>
             </a:p>
             <a:p>
               <a:pPr algn="ctr"/>
               <a:r>
-                <a:rPr lang="en-GB"/>
+                <a:rPr lang="en-GB" dirty="0"/>
                 <a:t>Coefficients</a:t>
               </a:r>
             </a:p>
@@ -13259,7 +13381,7 @@
             <a:lstStyle/>
             <a:p>
               <a:pPr algn="ctr"/>
-              <a:endParaRPr lang="en-GB"/>
+              <a:endParaRPr lang="en-GB" dirty="0"/>
             </a:p>
           </p:txBody>
         </p:sp>
@@ -13304,7 +13426,7 @@
             <a:lstStyle/>
             <a:p>
               <a:pPr algn="ctr"/>
-              <a:endParaRPr lang="en-GB"/>
+              <a:endParaRPr lang="en-GB" dirty="0"/>
             </a:p>
           </p:txBody>
         </p:sp>
@@ -13349,7 +13471,7 @@
             <a:lstStyle/>
             <a:p>
               <a:pPr algn="ctr"/>
-              <a:endParaRPr lang="en-GB"/>
+              <a:endParaRPr lang="en-GB" dirty="0"/>
             </a:p>
           </p:txBody>
         </p:sp>
@@ -13394,7 +13516,7 @@
             <a:p>
               <a:pPr algn="ctr"/>
               <a:r>
-                <a:rPr lang="en-GB"/>
+                <a:rPr lang="en-GB" dirty="0"/>
                 <a:t>FIR</a:t>
               </a:r>
             </a:p>
@@ -13431,7 +13553,7 @@
             <a:lstStyle/>
             <a:p>
               <a:r>
-                <a:rPr lang="en-GB" sz="600">
+                <a:rPr lang="en-GB" sz="600" dirty="0">
                   <a:solidFill>
                     <a:schemeClr val="bg1"/>
                   </a:solidFill>
@@ -13609,15 +13731,7 @@
             </a:pPr>
             <a:r>
               <a:rPr lang="en-GB" dirty="0"/>
-              <a:t>Needs Bus wrapper to work with </a:t>
-            </a:r>
-            <a:r>
-              <a:rPr lang="en-GB" dirty="0" err="1"/>
-              <a:t>Nios</a:t>
-            </a:r>
-            <a:r>
-              <a:rPr lang="en-GB" dirty="0"/>
-              <a:t> II</a:t>
+              <a:t>Needs Bus wrapper to work with Nios II</a:t>
             </a:r>
           </a:p>
           <a:p>
@@ -13650,7 +13764,7 @@
           <a:lstStyle/>
           <a:p>
             <a:r>
-              <a:rPr lang="en-GB"/>
+              <a:rPr lang="en-GB" dirty="0"/>
               <a:t>FFT</a:t>
             </a:r>
           </a:p>
@@ -13764,7 +13878,7 @@
             <a:pPr lvl="1"/>
             <a:r>
               <a:rPr lang="en-GB" dirty="0"/>
-              <a:t>read: 2 cycles</a:t>
+              <a:t>read: 2 cycles / (1 cycle possible?)</a:t>
             </a:r>
           </a:p>
           <a:p>
@@ -13798,7 +13912,7 @@
           <a:lstStyle/>
           <a:p>
             <a:r>
-              <a:rPr lang="en-GB"/>
+              <a:rPr lang="en-GB" dirty="0"/>
               <a:t>Memory options</a:t>
             </a:r>
           </a:p>
@@ -13910,7 +14024,14 @@
             <a:pPr lvl="1"/>
             <a:r>
               <a:rPr lang="en-GB" dirty="0"/>
-              <a:t>read: 5,5 ns</a:t>
+              <a:t>read: 1 cycle </a:t>
+            </a:r>
+          </a:p>
+          <a:p>
+            <a:pPr lvl="1"/>
+            <a:r>
+              <a:rPr lang="en-GB" dirty="0"/>
+              <a:t>Refresh (worst case 1 cycle 80% of time)</a:t>
             </a:r>
           </a:p>
         </p:txBody>
@@ -13937,7 +14058,7 @@
           <a:lstStyle/>
           <a:p>
             <a:r>
-              <a:rPr lang="en-GB"/>
+              <a:rPr lang="en-GB" dirty="0"/>
               <a:t>Memory options</a:t>
             </a:r>
           </a:p>
@@ -14069,7 +14190,7 @@
           <a:lstStyle/>
           <a:p>
             <a:r>
-              <a:rPr lang="en-GB"/>
+              <a:rPr lang="en-GB" dirty="0"/>
               <a:t>Memory options</a:t>
             </a:r>
           </a:p>
